--- a/Booklet/Labmon.pptx
+++ b/Booklet/Labmon.pptx
@@ -36,34 +36,33 @@
     <p:sldId id="281" r:id="rId31"/>
     <p:sldId id="282" r:id="rId32"/>
     <p:sldId id="283" r:id="rId33"/>
-    <p:sldId id="284" r:id="rId34"/>
   </p:sldIdLst>
   <p:sldSz cy="5143500" cx="9144000"/>
   <p:notesSz cx="6858000" cy="9144000"/>
   <p:embeddedFontLst>
     <p:embeddedFont>
       <p:font typeface="Playfair Display"/>
-      <p:regular r:id="rId35"/>
-      <p:bold r:id="rId36"/>
-      <p:italic r:id="rId37"/>
-      <p:boldItalic r:id="rId38"/>
+      <p:regular r:id="rId34"/>
+      <p:bold r:id="rId35"/>
+      <p:italic r:id="rId36"/>
+      <p:boldItalic r:id="rId37"/>
     </p:embeddedFont>
     <p:embeddedFont>
       <p:font typeface="Montserrat"/>
-      <p:regular r:id="rId39"/>
-      <p:bold r:id="rId40"/>
-      <p:italic r:id="rId41"/>
-      <p:boldItalic r:id="rId42"/>
+      <p:regular r:id="rId38"/>
+      <p:bold r:id="rId39"/>
+      <p:italic r:id="rId40"/>
+      <p:boldItalic r:id="rId41"/>
     </p:embeddedFont>
     <p:embeddedFont>
       <p:font typeface="Oswald"/>
-      <p:regular r:id="rId43"/>
-      <p:bold r:id="rId44"/>
+      <p:regular r:id="rId42"/>
+      <p:bold r:id="rId43"/>
     </p:embeddedFont>
     <p:embeddedFont>
       <p:font typeface="Playfair Display Black"/>
-      <p:bold r:id="rId45"/>
-      <p:boldItalic r:id="rId46"/>
+      <p:bold r:id="rId44"/>
+      <p:boldItalic r:id="rId45"/>
     </p:embeddedFont>
   </p:embeddedFontLst>
   <p:defaultTextStyle>
@@ -1353,7 +1352,7 @@
       </p:grpSpPr>
       <p:sp>
         <p:nvSpPr>
-          <p:cNvPr id="147" name="Google Shape;147;g3a0de81e5d1_0_96:notes"/>
+          <p:cNvPr id="147" name="Google Shape;147;g3a0de81e5d1_0_111:notes"/>
           <p:cNvSpPr/>
           <p:nvPr>
             <p:ph idx="2" type="sldImg"/>
@@ -1388,7 +1387,7 @@
       </p:sp>
       <p:sp>
         <p:nvSpPr>
-          <p:cNvPr id="148" name="Google Shape;148;g3a0de81e5d1_0_96:notes"/>
+          <p:cNvPr id="148" name="Google Shape;148;g3a0de81e5d1_0_111:notes"/>
           <p:cNvSpPr txBox="1"/>
           <p:nvPr>
             <p:ph idx="1" type="body"/>
@@ -1452,7 +1451,7 @@
       </p:grpSpPr>
       <p:sp>
         <p:nvSpPr>
-          <p:cNvPr id="154" name="Google Shape;154;g3a0de81e5d1_0_111:notes"/>
+          <p:cNvPr id="154" name="Google Shape;154;g3a0de81e5d1_0_118:notes"/>
           <p:cNvSpPr/>
           <p:nvPr>
             <p:ph idx="2" type="sldImg"/>
@@ -1487,7 +1486,7 @@
       </p:sp>
       <p:sp>
         <p:nvSpPr>
-          <p:cNvPr id="155" name="Google Shape;155;g3a0de81e5d1_0_111:notes"/>
+          <p:cNvPr id="155" name="Google Shape;155;g3a0de81e5d1_0_118:notes"/>
           <p:cNvSpPr txBox="1"/>
           <p:nvPr>
             <p:ph idx="1" type="body"/>
@@ -1537,7 +1536,7 @@
   <p:cSld>
     <p:spTree>
       <p:nvGrpSpPr>
-        <p:cNvPr id="160" name="Shape 160"/>
+        <p:cNvPr id="163" name="Shape 163"/>
         <p:cNvGrpSpPr/>
         <p:nvPr/>
       </p:nvGrpSpPr>
@@ -1551,7 +1550,7 @@
       </p:grpSpPr>
       <p:sp>
         <p:nvSpPr>
-          <p:cNvPr id="161" name="Google Shape;161;g3a0de81e5d1_0_118:notes"/>
+          <p:cNvPr id="164" name="Google Shape;164;g3a0de81e5d1_0_133:notes"/>
           <p:cNvSpPr/>
           <p:nvPr>
             <p:ph idx="2" type="sldImg"/>
@@ -1586,7 +1585,7 @@
       </p:sp>
       <p:sp>
         <p:nvSpPr>
-          <p:cNvPr id="162" name="Google Shape;162;g3a0de81e5d1_0_118:notes"/>
+          <p:cNvPr id="165" name="Google Shape;165;g3a0de81e5d1_0_133:notes"/>
           <p:cNvSpPr txBox="1"/>
           <p:nvPr>
             <p:ph idx="1" type="body"/>
@@ -1636,7 +1635,7 @@
   <p:cSld>
     <p:spTree>
       <p:nvGrpSpPr>
-        <p:cNvPr id="167" name="Shape 167"/>
+        <p:cNvPr id="170" name="Shape 170"/>
         <p:cNvGrpSpPr/>
         <p:nvPr/>
       </p:nvGrpSpPr>
@@ -1650,7 +1649,7 @@
       </p:grpSpPr>
       <p:sp>
         <p:nvSpPr>
-          <p:cNvPr id="168" name="Google Shape;168;g3a0de81e5d1_0_124:notes"/>
+          <p:cNvPr id="171" name="Google Shape;171;g3a0de81e5d1_0_96:notes"/>
           <p:cNvSpPr/>
           <p:nvPr>
             <p:ph idx="2" type="sldImg"/>
@@ -1685,7 +1684,7 @@
       </p:sp>
       <p:sp>
         <p:nvSpPr>
-          <p:cNvPr id="169" name="Google Shape;169;g3a0de81e5d1_0_124:notes"/>
+          <p:cNvPr id="172" name="Google Shape;172;g3a0de81e5d1_0_96:notes"/>
           <p:cNvSpPr txBox="1"/>
           <p:nvPr>
             <p:ph idx="1" type="body"/>
@@ -1735,7 +1734,7 @@
   <p:cSld>
     <p:spTree>
       <p:nvGrpSpPr>
-        <p:cNvPr id="174" name="Shape 174"/>
+        <p:cNvPr id="177" name="Shape 177"/>
         <p:cNvGrpSpPr/>
         <p:nvPr/>
       </p:nvGrpSpPr>
@@ -1749,7 +1748,7 @@
       </p:grpSpPr>
       <p:sp>
         <p:nvSpPr>
-          <p:cNvPr id="175" name="Google Shape;175;g3a0de81e5d1_0_133:notes"/>
+          <p:cNvPr id="178" name="Google Shape;178;g3a0de81e5d1_0_107:notes"/>
           <p:cNvSpPr/>
           <p:nvPr>
             <p:ph idx="2" type="sldImg"/>
@@ -1784,7 +1783,7 @@
       </p:sp>
       <p:sp>
         <p:nvSpPr>
-          <p:cNvPr id="176" name="Google Shape;176;g3a0de81e5d1_0_133:notes"/>
+          <p:cNvPr id="179" name="Google Shape;179;g3a0de81e5d1_0_107:notes"/>
           <p:cNvSpPr txBox="1"/>
           <p:nvPr>
             <p:ph idx="1" type="body"/>
@@ -1933,7 +1932,7 @@
   <p:cSld>
     <p:spTree>
       <p:nvGrpSpPr>
-        <p:cNvPr id="181" name="Shape 181"/>
+        <p:cNvPr id="182" name="Shape 182"/>
         <p:cNvGrpSpPr/>
         <p:nvPr/>
       </p:nvGrpSpPr>
@@ -1947,7 +1946,7 @@
       </p:grpSpPr>
       <p:sp>
         <p:nvSpPr>
-          <p:cNvPr id="182" name="Google Shape;182;g3a0de81e5d1_0_107:notes"/>
+          <p:cNvPr id="183" name="Google Shape;183;g3a0de81e5d1_0_69:notes"/>
           <p:cNvSpPr/>
           <p:nvPr>
             <p:ph idx="2" type="sldImg"/>
@@ -1982,7 +1981,7 @@
       </p:sp>
       <p:sp>
         <p:nvSpPr>
-          <p:cNvPr id="183" name="Google Shape;183;g3a0de81e5d1_0_107:notes"/>
+          <p:cNvPr id="184" name="Google Shape;184;g3a0de81e5d1_0_69:notes"/>
           <p:cNvSpPr txBox="1"/>
           <p:nvPr>
             <p:ph idx="1" type="body"/>
@@ -2032,7 +2031,7 @@
   <p:cSld>
     <p:spTree>
       <p:nvGrpSpPr>
-        <p:cNvPr id="186" name="Shape 186"/>
+        <p:cNvPr id="189" name="Shape 189"/>
         <p:cNvGrpSpPr/>
         <p:nvPr/>
       </p:nvGrpSpPr>
@@ -2046,7 +2045,7 @@
       </p:grpSpPr>
       <p:sp>
         <p:nvSpPr>
-          <p:cNvPr id="187" name="Google Shape;187;g3a0de81e5d1_0_69:notes"/>
+          <p:cNvPr id="190" name="Google Shape;190;g3a0de81e5d1_0_83:notes"/>
           <p:cNvSpPr/>
           <p:nvPr>
             <p:ph idx="2" type="sldImg"/>
@@ -2081,7 +2080,7 @@
       </p:sp>
       <p:sp>
         <p:nvSpPr>
-          <p:cNvPr id="188" name="Google Shape;188;g3a0de81e5d1_0_69:notes"/>
+          <p:cNvPr id="191" name="Google Shape;191;g3a0de81e5d1_0_83:notes"/>
           <p:cNvSpPr txBox="1"/>
           <p:nvPr>
             <p:ph idx="1" type="body"/>
@@ -2131,7 +2130,7 @@
   <p:cSld>
     <p:spTree>
       <p:nvGrpSpPr>
-        <p:cNvPr id="193" name="Shape 193"/>
+        <p:cNvPr id="196" name="Shape 196"/>
         <p:cNvGrpSpPr/>
         <p:nvPr/>
       </p:nvGrpSpPr>
@@ -2145,7 +2144,7 @@
       </p:grpSpPr>
       <p:sp>
         <p:nvSpPr>
-          <p:cNvPr id="194" name="Google Shape;194;g3a0de81e5d1_0_83:notes"/>
+          <p:cNvPr id="197" name="Google Shape;197;g3a0de81e5d1_1_94:notes"/>
           <p:cNvSpPr/>
           <p:nvPr>
             <p:ph idx="2" type="sldImg"/>
@@ -2180,7 +2179,7 @@
       </p:sp>
       <p:sp>
         <p:nvSpPr>
-          <p:cNvPr id="195" name="Google Shape;195;g3a0de81e5d1_0_83:notes"/>
+          <p:cNvPr id="198" name="Google Shape;198;g3a0de81e5d1_1_94:notes"/>
           <p:cNvSpPr txBox="1"/>
           <p:nvPr>
             <p:ph idx="1" type="body"/>
@@ -2230,7 +2229,7 @@
   <p:cSld>
     <p:spTree>
       <p:nvGrpSpPr>
-        <p:cNvPr id="200" name="Shape 200"/>
+        <p:cNvPr id="201" name="Shape 201"/>
         <p:cNvGrpSpPr/>
         <p:nvPr/>
       </p:nvGrpSpPr>
@@ -2244,7 +2243,7 @@
       </p:grpSpPr>
       <p:sp>
         <p:nvSpPr>
-          <p:cNvPr id="201" name="Google Shape;201;g3a0de81e5d1_1_94:notes"/>
+          <p:cNvPr id="202" name="Google Shape;202;g3a0de81e5d1_1_98:notes"/>
           <p:cNvSpPr/>
           <p:nvPr>
             <p:ph idx="2" type="sldImg"/>
@@ -2279,7 +2278,7 @@
       </p:sp>
       <p:sp>
         <p:nvSpPr>
-          <p:cNvPr id="202" name="Google Shape;202;g3a0de81e5d1_1_94:notes"/>
+          <p:cNvPr id="203" name="Google Shape;203;g3a0de81e5d1_1_98:notes"/>
           <p:cNvSpPr txBox="1"/>
           <p:nvPr>
             <p:ph idx="1" type="body"/>
@@ -2329,7 +2328,7 @@
   <p:cSld>
     <p:spTree>
       <p:nvGrpSpPr>
-        <p:cNvPr id="205" name="Shape 205"/>
+        <p:cNvPr id="209" name="Shape 209"/>
         <p:cNvGrpSpPr/>
         <p:nvPr/>
       </p:nvGrpSpPr>
@@ -2343,7 +2342,7 @@
       </p:grpSpPr>
       <p:sp>
         <p:nvSpPr>
-          <p:cNvPr id="206" name="Google Shape;206;g3a0de81e5d1_1_98:notes"/>
+          <p:cNvPr id="210" name="Google Shape;210;g3a0de81e5d1_1_141:notes"/>
           <p:cNvSpPr/>
           <p:nvPr>
             <p:ph idx="2" type="sldImg"/>
@@ -2378,7 +2377,7 @@
       </p:sp>
       <p:sp>
         <p:nvSpPr>
-          <p:cNvPr id="207" name="Google Shape;207;g3a0de81e5d1_1_98:notes"/>
+          <p:cNvPr id="211" name="Google Shape;211;g3a0de81e5d1_1_141:notes"/>
           <p:cNvSpPr txBox="1"/>
           <p:nvPr>
             <p:ph idx="1" type="body"/>
@@ -2428,7 +2427,7 @@
   <p:cSld>
     <p:spTree>
       <p:nvGrpSpPr>
-        <p:cNvPr id="213" name="Shape 213"/>
+        <p:cNvPr id="217" name="Shape 217"/>
         <p:cNvGrpSpPr/>
         <p:nvPr/>
       </p:nvGrpSpPr>
@@ -2442,7 +2441,7 @@
       </p:grpSpPr>
       <p:sp>
         <p:nvSpPr>
-          <p:cNvPr id="214" name="Google Shape;214;g3a0de81e5d1_1_141:notes"/>
+          <p:cNvPr id="218" name="Google Shape;218;g3a0de81e5d1_1_169:notes"/>
           <p:cNvSpPr/>
           <p:nvPr>
             <p:ph idx="2" type="sldImg"/>
@@ -2477,7 +2476,7 @@
       </p:sp>
       <p:sp>
         <p:nvSpPr>
-          <p:cNvPr id="215" name="Google Shape;215;g3a0de81e5d1_1_141:notes"/>
+          <p:cNvPr id="219" name="Google Shape;219;g3a0de81e5d1_1_169:notes"/>
           <p:cNvSpPr txBox="1"/>
           <p:nvPr>
             <p:ph idx="1" type="body"/>
@@ -2527,7 +2526,7 @@
   <p:cSld>
     <p:spTree>
       <p:nvGrpSpPr>
-        <p:cNvPr id="221" name="Shape 221"/>
+        <p:cNvPr id="225" name="Shape 225"/>
         <p:cNvGrpSpPr/>
         <p:nvPr/>
       </p:nvGrpSpPr>
@@ -2541,7 +2540,7 @@
       </p:grpSpPr>
       <p:sp>
         <p:nvSpPr>
-          <p:cNvPr id="222" name="Google Shape;222;g3a0de81e5d1_1_169:notes"/>
+          <p:cNvPr id="226" name="Google Shape;226;g3a0de81e5d1_1_181:notes"/>
           <p:cNvSpPr/>
           <p:nvPr>
             <p:ph idx="2" type="sldImg"/>
@@ -2576,7 +2575,7 @@
       </p:sp>
       <p:sp>
         <p:nvSpPr>
-          <p:cNvPr id="223" name="Google Shape;223;g3a0de81e5d1_1_169:notes"/>
+          <p:cNvPr id="227" name="Google Shape;227;g3a0de81e5d1_1_181:notes"/>
           <p:cNvSpPr txBox="1"/>
           <p:nvPr>
             <p:ph idx="1" type="body"/>
@@ -2626,7 +2625,7 @@
   <p:cSld>
     <p:spTree>
       <p:nvGrpSpPr>
-        <p:cNvPr id="229" name="Shape 229"/>
+        <p:cNvPr id="233" name="Shape 233"/>
         <p:cNvGrpSpPr/>
         <p:nvPr/>
       </p:nvGrpSpPr>
@@ -2640,7 +2639,7 @@
       </p:grpSpPr>
       <p:sp>
         <p:nvSpPr>
-          <p:cNvPr id="230" name="Google Shape;230;g3a0de81e5d1_1_181:notes"/>
+          <p:cNvPr id="234" name="Google Shape;234;g3a0de81e5d1_1_82:notes"/>
           <p:cNvSpPr/>
           <p:nvPr>
             <p:ph idx="2" type="sldImg"/>
@@ -2675,7 +2674,7 @@
       </p:sp>
       <p:sp>
         <p:nvSpPr>
-          <p:cNvPr id="231" name="Google Shape;231;g3a0de81e5d1_1_181:notes"/>
+          <p:cNvPr id="235" name="Google Shape;235;g3a0de81e5d1_1_82:notes"/>
           <p:cNvSpPr txBox="1"/>
           <p:nvPr>
             <p:ph idx="1" type="body"/>
@@ -2725,7 +2724,7 @@
   <p:cSld>
     <p:spTree>
       <p:nvGrpSpPr>
-        <p:cNvPr id="237" name="Shape 237"/>
+        <p:cNvPr id="239" name="Shape 239"/>
         <p:cNvGrpSpPr/>
         <p:nvPr/>
       </p:nvGrpSpPr>
@@ -2739,7 +2738,7 @@
       </p:grpSpPr>
       <p:sp>
         <p:nvSpPr>
-          <p:cNvPr id="238" name="Google Shape;238;g3a0de81e5d1_1_82:notes"/>
+          <p:cNvPr id="240" name="Google Shape;240;g3a0de81e5d1_1_104:notes"/>
           <p:cNvSpPr/>
           <p:nvPr>
             <p:ph idx="2" type="sldImg"/>
@@ -2774,106 +2773,7 @@
       </p:sp>
       <p:sp>
         <p:nvSpPr>
-          <p:cNvPr id="239" name="Google Shape;239;g3a0de81e5d1_1_82:notes"/>
-          <p:cNvSpPr txBox="1"/>
-          <p:nvPr>
-            <p:ph idx="1" type="body"/>
-          </p:nvPr>
-        </p:nvSpPr>
-        <p:spPr>
-          <a:xfrm>
-            <a:off x="685800" y="4343400"/>
-            <a:ext cx="5486400" cy="4114800"/>
-          </a:xfrm>
-          <a:prstGeom prst="rect">
-            <a:avLst/>
-          </a:prstGeom>
-        </p:spPr>
-        <p:txBody>
-          <a:bodyPr anchorCtr="0" anchor="t" bIns="91425" lIns="91425" spcFirstLastPara="1" rIns="91425" wrap="square" tIns="91425">
-            <a:noAutofit/>
-          </a:bodyPr>
-          <a:lstStyle/>
-          <a:p>
-            <a:pPr indent="0" lvl="0" marL="0" rtl="0" algn="l">
-              <a:spcBef>
-                <a:spcPts val="0"/>
-              </a:spcBef>
-              <a:spcAft>
-                <a:spcPts val="0"/>
-              </a:spcAft>
-              <a:buNone/>
-            </a:pPr>
-            <a:r>
-              <a:t/>
-            </a:r>
-            <a:endParaRPr/>
-          </a:p>
-        </p:txBody>
-      </p:sp>
-    </p:spTree>
-  </p:cSld>
-  <p:clrMapOvr>
-    <a:masterClrMapping/>
-  </p:clrMapOvr>
-</p:notes>
-</file>
-
-<file path=ppt/notesSlides/notesSlide29.xml><?xml version="1.0" encoding="utf-8"?>
-<p:notes xmlns:a="http://schemas.openxmlformats.org/drawingml/2006/main" xmlns:r="http://schemas.openxmlformats.org/officeDocument/2006/relationships" xmlns:mc="http://schemas.openxmlformats.org/markup-compatibility/2006" xmlns:mv="urn:schemas-microsoft-com:mac:vml" xmlns:p="http://schemas.openxmlformats.org/presentationml/2006/main" xmlns:c="http://schemas.openxmlformats.org/drawingml/2006/chart" xmlns:dgm="http://schemas.openxmlformats.org/drawingml/2006/diagram" xmlns:o="urn:schemas-microsoft-com:office:office" xmlns:v="urn:schemas-microsoft-com:vml" xmlns:pvml="urn:schemas-microsoft-com:office:powerpoint" xmlns:com="http://schemas.openxmlformats.org/drawingml/2006/compatibility" xmlns:p14="http://schemas.microsoft.com/office/powerpoint/2010/main" xmlns:p15="http://schemas.microsoft.com/office/powerpoint/2012/main" xmlns:ahyp="http://schemas.microsoft.com/office/drawing/2018/hyperlinkcolor" showMasterPhAnim="0" showMasterSp="0">
-  <p:cSld>
-    <p:spTree>
-      <p:nvGrpSpPr>
-        <p:cNvPr id="243" name="Shape 243"/>
-        <p:cNvGrpSpPr/>
-        <p:nvPr/>
-      </p:nvGrpSpPr>
-      <p:grpSpPr>
-        <a:xfrm>
-          <a:off x="0" y="0"/>
-          <a:ext cx="0" cy="0"/>
-          <a:chOff x="0" y="0"/>
-          <a:chExt cx="0" cy="0"/>
-        </a:xfrm>
-      </p:grpSpPr>
-      <p:sp>
-        <p:nvSpPr>
-          <p:cNvPr id="244" name="Google Shape;244;g3a0de81e5d1_1_104:notes"/>
-          <p:cNvSpPr/>
-          <p:nvPr>
-            <p:ph idx="2" type="sldImg"/>
-          </p:nvPr>
-        </p:nvSpPr>
-        <p:spPr>
-          <a:xfrm>
-            <a:off x="381300" y="685800"/>
-            <a:ext cx="6096000" cy="3429000"/>
-          </a:xfrm>
-          <a:custGeom>
-            <a:rect b="b" l="l" r="r" t="t"/>
-            <a:pathLst>
-              <a:path extrusionOk="0" h="120000" w="120000">
-                <a:moveTo>
-                  <a:pt x="0" y="0"/>
-                </a:moveTo>
-                <a:lnTo>
-                  <a:pt x="120000" y="0"/>
-                </a:lnTo>
-                <a:lnTo>
-                  <a:pt x="120000" y="120000"/>
-                </a:lnTo>
-                <a:lnTo>
-                  <a:pt x="0" y="120000"/>
-                </a:lnTo>
-                <a:close/>
-              </a:path>
-            </a:pathLst>
-          </a:custGeom>
-        </p:spPr>
-      </p:sp>
-      <p:sp>
-        <p:nvSpPr>
-          <p:cNvPr id="245" name="Google Shape;245;g3a0de81e5d1_1_104:notes"/>
+          <p:cNvPr id="241" name="Google Shape;241;g3a0de81e5d1_1_104:notes"/>
           <p:cNvSpPr txBox="1"/>
           <p:nvPr>
             <p:ph idx="1" type="body"/>
@@ -9981,13 +9881,6 @@
 <file path=ppt/slides/slide15.xml><?xml version="1.0" encoding="utf-8"?>
 <p:sld xmlns:a="http://schemas.openxmlformats.org/drawingml/2006/main" xmlns:r="http://schemas.openxmlformats.org/officeDocument/2006/relationships" xmlns:mc="http://schemas.openxmlformats.org/markup-compatibility/2006" xmlns:mv="urn:schemas-microsoft-com:mac:vml" xmlns:p="http://schemas.openxmlformats.org/presentationml/2006/main" xmlns:c="http://schemas.openxmlformats.org/drawingml/2006/chart" xmlns:dgm="http://schemas.openxmlformats.org/drawingml/2006/diagram" xmlns:o="urn:schemas-microsoft-com:office:office" xmlns:v="urn:schemas-microsoft-com:vml" xmlns:pvml="urn:schemas-microsoft-com:office:powerpoint" xmlns:com="http://schemas.openxmlformats.org/drawingml/2006/compatibility" xmlns:p14="http://schemas.microsoft.com/office/powerpoint/2010/main" xmlns:p15="http://schemas.microsoft.com/office/powerpoint/2012/main" xmlns:ahyp="http://schemas.microsoft.com/office/drawing/2018/hyperlinkcolor">
   <p:cSld>
-    <p:bg>
-      <p:bgPr>
-        <a:solidFill>
-          <a:schemeClr val="accent4"/>
-        </a:solidFill>
-      </p:bgPr>
-    </p:bg>
     <p:spTree>
       <p:nvGrpSpPr>
         <p:cNvPr id="149" name="Shape 149"/>
@@ -10012,16 +9905,16 @@
         </p:nvSpPr>
         <p:spPr>
           <a:xfrm>
-            <a:off x="311700" y="445025"/>
-            <a:ext cx="8520600" cy="572700"/>
+            <a:off x="311700" y="555600"/>
+            <a:ext cx="2808000" cy="755700"/>
           </a:xfrm>
           <a:prstGeom prst="rect">
             <a:avLst/>
           </a:prstGeom>
         </p:spPr>
         <p:txBody>
-          <a:bodyPr anchorCtr="0" anchor="t" bIns="91425" lIns="91425" spcFirstLastPara="1" rIns="91425" wrap="square" tIns="91425">
-            <a:normAutofit fontScale="90000"/>
+          <a:bodyPr anchorCtr="0" anchor="b" bIns="91425" lIns="91425" spcFirstLastPara="1" rIns="91425" wrap="square" tIns="91425">
+            <a:normAutofit/>
           </a:bodyPr>
           <a:lstStyle/>
           <a:p>
@@ -10036,7 +9929,7 @@
             </a:pPr>
             <a:r>
               <a:rPr lang="it"/>
-              <a:t>Technologies</a:t>
+              <a:t>Auth service</a:t>
             </a:r>
             <a:endParaRPr/>
           </a:p>
@@ -10052,240 +9945,88 @@
         </p:nvSpPr>
         <p:spPr>
           <a:xfrm>
-            <a:off x="311700" y="1234050"/>
-            <a:ext cx="3999900" cy="3334800"/>
+            <a:off x="311700" y="1389600"/>
+            <a:ext cx="2808000" cy="3179400"/>
           </a:xfrm>
           <a:prstGeom prst="rect">
             <a:avLst/>
           </a:prstGeom>
-          <a:solidFill>
-            <a:schemeClr val="lt1"/>
-          </a:solidFill>
-          <a:ln cap="flat" cmpd="sng" w="9525">
-            <a:solidFill>
-              <a:schemeClr val="dk2"/>
-            </a:solidFill>
-            <a:prstDash val="solid"/>
-            <a:round/>
-            <a:headEnd len="sm" w="sm" type="none"/>
-            <a:tailEnd len="sm" w="sm" type="none"/>
-          </a:ln>
         </p:spPr>
         <p:txBody>
           <a:bodyPr anchorCtr="0" anchor="t" bIns="91425" lIns="91425" spcFirstLastPara="1" rIns="91425" wrap="square" tIns="91425">
-            <a:normAutofit fontScale="77500" lnSpcReduction="20000"/>
+            <a:noAutofit/>
           </a:bodyPr>
           <a:lstStyle/>
           <a:p>
-            <a:pPr indent="0" lvl="0" marL="12700" rtl="0" algn="l">
-              <a:spcBef>
-                <a:spcPts val="0"/>
-              </a:spcBef>
-              <a:spcAft>
-                <a:spcPts val="0"/>
-              </a:spcAft>
-              <a:buNone/>
-            </a:pPr>
-            <a:r>
-              <a:rPr lang="it" sz="2391"/>
-              <a:t>The app is distributed over different microservices, which are deployed using Docker:</a:t>
-            </a:r>
-            <a:endParaRPr sz="2391"/>
-          </a:p>
-          <a:p>
-            <a:pPr indent="-346310" lvl="0" marL="457200" rtl="0" algn="l">
-              <a:spcBef>
-                <a:spcPts val="1000"/>
-              </a:spcBef>
-              <a:spcAft>
-                <a:spcPts val="0"/>
-              </a:spcAft>
-              <a:buSzPct val="100000"/>
-              <a:buChar char="★"/>
-            </a:pPr>
-            <a:r>
-              <a:rPr lang="it" sz="2391"/>
-              <a:t>Users service</a:t>
-            </a:r>
-            <a:endParaRPr sz="2391"/>
-          </a:p>
-          <a:p>
-            <a:pPr indent="-346310" lvl="0" marL="457200" rtl="0" algn="l">
-              <a:spcBef>
-                <a:spcPts val="1000"/>
-              </a:spcBef>
-              <a:spcAft>
-                <a:spcPts val="0"/>
-              </a:spcAft>
-              <a:buSzPct val="100000"/>
-              <a:buChar char="★"/>
-            </a:pPr>
-            <a:r>
-              <a:rPr lang="it" sz="2391"/>
-              <a:t>Monsters service</a:t>
-            </a:r>
-            <a:endParaRPr sz="2391"/>
-          </a:p>
-          <a:p>
-            <a:pPr indent="-346310" lvl="0" marL="457200" rtl="0" algn="l">
-              <a:spcBef>
-                <a:spcPts val="1000"/>
-              </a:spcBef>
-              <a:spcAft>
-                <a:spcPts val="0"/>
-              </a:spcAft>
-              <a:buSzPct val="100000"/>
-              <a:buChar char="★"/>
-            </a:pPr>
-            <a:r>
-              <a:rPr lang="it" sz="2391"/>
-              <a:t>Items service</a:t>
-            </a:r>
-            <a:endParaRPr sz="2391"/>
-          </a:p>
-          <a:p>
-            <a:pPr indent="-346310" lvl="0" marL="457200" rtl="0" algn="l">
-              <a:spcBef>
-                <a:spcPts val="1000"/>
-              </a:spcBef>
-              <a:spcAft>
-                <a:spcPts val="0"/>
-              </a:spcAft>
-              <a:buSzPct val="100000"/>
-              <a:buChar char="★"/>
-            </a:pPr>
-            <a:r>
-              <a:rPr lang="it" sz="2391"/>
-              <a:t>Game service</a:t>
-            </a:r>
-            <a:endParaRPr sz="2391"/>
-          </a:p>
-          <a:p>
-            <a:pPr indent="-346310" lvl="0" marL="457200" rtl="0" algn="l">
-              <a:spcBef>
-                <a:spcPts val="1000"/>
-              </a:spcBef>
-              <a:spcAft>
-                <a:spcPts val="0"/>
-              </a:spcAft>
-              <a:buSzPct val="100000"/>
-              <a:buChar char="★"/>
-            </a:pPr>
-            <a:r>
-              <a:rPr lang="it" sz="2391"/>
-              <a:t>Web server</a:t>
-            </a:r>
-            <a:endParaRPr sz="2391"/>
-          </a:p>
-          <a:p>
-            <a:pPr indent="0" lvl="0" marL="0" rtl="0" algn="l">
-              <a:spcBef>
-                <a:spcPts val="1000"/>
-              </a:spcBef>
-              <a:spcAft>
+            <a:pPr indent="0" lvl="0" marL="0" rtl="0" algn="l">
+              <a:spcBef>
+                <a:spcPts val="0"/>
+              </a:spcBef>
+              <a:spcAft>
+                <a:spcPts val="0"/>
+              </a:spcAft>
+              <a:buNone/>
+            </a:pPr>
+            <a:r>
+              <a:rPr lang="it" sz="1400"/>
+              <a:t>The authentication service handles everything </a:t>
+            </a:r>
+            <a:r>
+              <a:rPr lang="it" sz="1400"/>
+              <a:t>related</a:t>
+            </a:r>
+            <a:r>
+              <a:rPr lang="it" sz="1400"/>
+              <a:t> to user account management, starting from registering new accounts and logging in, to updating account information or deleting accounts.</a:t>
+            </a:r>
+            <a:endParaRPr sz="1400"/>
+          </a:p>
+          <a:p>
+            <a:pPr indent="0" lvl="0" marL="0" rtl="0" algn="l">
+              <a:spcBef>
                 <a:spcPts val="1200"/>
-              </a:spcAft>
-              <a:buNone/>
-            </a:pPr>
-            <a:r>
-              <a:t/>
-            </a:r>
-            <a:endParaRPr/>
+              </a:spcBef>
+              <a:spcAft>
+                <a:spcPts val="1200"/>
+              </a:spcAft>
+              <a:buNone/>
+            </a:pPr>
+            <a:r>
+              <a:rPr lang="it" sz="1400"/>
+              <a:t>Authentication is managed using JWT tokens, and passwords are hashed before being saved, to guarantee privacy.</a:t>
+            </a:r>
+            <a:endParaRPr sz="1400"/>
           </a:p>
         </p:txBody>
       </p:sp>
-      <p:sp>
-        <p:nvSpPr>
+      <p:pic>
+        <p:nvPicPr>
           <p:cNvPr id="152" name="Google Shape;152;p27"/>
-          <p:cNvSpPr txBox="1"/>
-          <p:nvPr>
-            <p:ph idx="2" type="body"/>
-          </p:nvPr>
-        </p:nvSpPr>
-        <p:spPr>
-          <a:xfrm>
-            <a:off x="4832400" y="1234050"/>
-            <a:ext cx="3999900" cy="3334800"/>
+          <p:cNvPicPr preferRelativeResize="0"/>
+          <p:nvPr/>
+        </p:nvPicPr>
+        <p:blipFill>
+          <a:blip r:embed="rId3">
+            <a:alphaModFix/>
+          </a:blip>
+          <a:stretch>
+            <a:fillRect/>
+          </a:stretch>
+        </p:blipFill>
+        <p:spPr>
+          <a:xfrm>
+            <a:off x="4572000" y="948075"/>
+            <a:ext cx="3556625" cy="3247350"/>
           </a:xfrm>
           <a:prstGeom prst="rect">
             <a:avLst/>
           </a:prstGeom>
-          <a:solidFill>
-            <a:schemeClr val="lt1"/>
-          </a:solidFill>
-          <a:ln cap="flat" cmpd="sng" w="9525">
-            <a:solidFill>
-              <a:schemeClr val="dk2"/>
-            </a:solidFill>
-            <a:prstDash val="solid"/>
-            <a:round/>
-            <a:headEnd len="sm" w="sm" type="none"/>
-            <a:tailEnd len="sm" w="sm" type="none"/>
+          <a:noFill/>
+          <a:ln>
+            <a:noFill/>
           </a:ln>
         </p:spPr>
-        <p:txBody>
-          <a:bodyPr anchorCtr="0" anchor="t" bIns="91425" lIns="91425" spcFirstLastPara="1" rIns="91425" wrap="square" tIns="91425">
-            <a:normAutofit fontScale="92500" lnSpcReduction="20000"/>
-          </a:bodyPr>
-          <a:lstStyle/>
-          <a:p>
-            <a:pPr indent="0" lvl="0" marL="0" rtl="0" algn="l">
-              <a:spcBef>
-                <a:spcPts val="0"/>
-              </a:spcBef>
-              <a:spcAft>
-                <a:spcPts val="0"/>
-              </a:spcAft>
-              <a:buNone/>
-            </a:pPr>
-            <a:r>
-              <a:rPr lang="it" sz="2000"/>
-              <a:t>We used PostgreSQL to manage the </a:t>
-            </a:r>
-            <a:r>
-              <a:rPr lang="it" sz="2000"/>
-              <a:t>DB</a:t>
-            </a:r>
-            <a:r>
-              <a:rPr lang="it" sz="2000"/>
-              <a:t>.</a:t>
-            </a:r>
-            <a:endParaRPr sz="2000"/>
-          </a:p>
-          <a:p>
-            <a:pPr indent="0" lvl="0" marL="0" rtl="0" algn="l">
-              <a:spcBef>
-                <a:spcPts val="1200"/>
-              </a:spcBef>
-              <a:spcAft>
-                <a:spcPts val="0"/>
-              </a:spcAft>
-              <a:buNone/>
-            </a:pPr>
-            <a:r>
-              <a:rPr lang="it" sz="2000"/>
-              <a:t>Python was chosen to write the backend, in order to keep things simple, and RabbitMQ was used to keep microservices updated asynchronously.</a:t>
-            </a:r>
-            <a:endParaRPr sz="2000"/>
-          </a:p>
-          <a:p>
-            <a:pPr indent="0" lvl="0" marL="0" rtl="0" algn="l">
-              <a:spcBef>
-                <a:spcPts val="1200"/>
-              </a:spcBef>
-              <a:spcAft>
-                <a:spcPts val="1200"/>
-              </a:spcAft>
-              <a:buNone/>
-            </a:pPr>
-            <a:r>
-              <a:rPr lang="it" sz="2000"/>
-              <a:t>Vue and Javascript were used in the frontend, along with toolkits as Bootstrap, to create the UI.</a:t>
-            </a:r>
-            <a:endParaRPr sz="2000"/>
-          </a:p>
-        </p:txBody>
-      </p:sp>
+      </p:pic>
     </p:spTree>
   </p:cSld>
   <p:clrMapOvr>
@@ -10322,15 +10063,15 @@
         <p:spPr>
           <a:xfrm>
             <a:off x="311700" y="555600"/>
-            <a:ext cx="2808000" cy="755700"/>
+            <a:ext cx="2170200" cy="379800"/>
           </a:xfrm>
           <a:prstGeom prst="rect">
             <a:avLst/>
           </a:prstGeom>
         </p:spPr>
         <p:txBody>
-          <a:bodyPr anchorCtr="0" anchor="b" bIns="91425" lIns="91425" spcFirstLastPara="1" rIns="91425" wrap="square" tIns="91425">
-            <a:normAutofit/>
+          <a:bodyPr anchorCtr="0" anchor="b" bIns="52950" lIns="52950" spcFirstLastPara="1" rIns="52950" wrap="square" tIns="52950">
+            <a:noAutofit/>
           </a:bodyPr>
           <a:lstStyle/>
           <a:p>
@@ -10344,10 +10085,10 @@
               <a:buNone/>
             </a:pPr>
             <a:r>
-              <a:rPr lang="it"/>
-              <a:t>Auth service</a:t>
-            </a:r>
-            <a:endParaRPr/>
+              <a:rPr lang="it" sz="1889"/>
+              <a:t>Monster service</a:t>
+            </a:r>
+            <a:endParaRPr sz="1889"/>
           </a:p>
         </p:txBody>
       </p:sp>
@@ -10361,15 +10102,15 @@
         </p:nvSpPr>
         <p:spPr>
           <a:xfrm>
-            <a:off x="311700" y="1389600"/>
-            <a:ext cx="2808000" cy="3179400"/>
+            <a:off x="311700" y="974541"/>
+            <a:ext cx="2170200" cy="1597200"/>
           </a:xfrm>
           <a:prstGeom prst="rect">
             <a:avLst/>
           </a:prstGeom>
         </p:spPr>
         <p:txBody>
-          <a:bodyPr anchorCtr="0" anchor="t" bIns="91425" lIns="91425" spcFirstLastPara="1" rIns="91425" wrap="square" tIns="91425">
+          <a:bodyPr anchorCtr="0" anchor="t" bIns="52950" lIns="52950" spcFirstLastPara="1" rIns="52950" wrap="square" tIns="52950">
             <a:noAutofit/>
           </a:bodyPr>
           <a:lstStyle/>
@@ -10381,37 +10122,39 @@
               <a:spcAft>
                 <a:spcPts val="0"/>
               </a:spcAft>
-              <a:buNone/>
-            </a:pPr>
-            <a:r>
-              <a:rPr lang="it" sz="1400"/>
-              <a:t>The authentication service handles everything </a:t>
-            </a:r>
-            <a:r>
-              <a:rPr lang="it" sz="1400"/>
-              <a:t>related</a:t>
-            </a:r>
-            <a:r>
-              <a:rPr lang="it" sz="1400"/>
-              <a:t> to user account management, starting from registering new accounts and logging in, to updating account information or deleting accounts.</a:t>
-            </a:r>
-            <a:endParaRPr sz="1400"/>
-          </a:p>
-          <a:p>
-            <a:pPr indent="0" lvl="0" marL="0" rtl="0" algn="l">
-              <a:spcBef>
-                <a:spcPts val="1200"/>
-              </a:spcBef>
-              <a:spcAft>
-                <a:spcPts val="1200"/>
-              </a:spcAft>
-              <a:buNone/>
-            </a:pPr>
-            <a:r>
-              <a:rPr lang="it" sz="1400"/>
-              <a:t>Authentication is managed using JWT tokens, and passwords are hashed before being saved, to guarantee privacy.</a:t>
-            </a:r>
-            <a:endParaRPr sz="1400"/>
+              <a:buClr>
+                <a:schemeClr val="dk2"/>
+              </a:buClr>
+              <a:buSzPts val="637"/>
+              <a:buFont typeface="Arial"/>
+              <a:buNone/>
+            </a:pPr>
+            <a:r>
+              <a:rPr lang="it" sz="1000"/>
+              <a:t>The monster service handles everything related to managing the creatures in the game, in particular adding, editing and deleting data.</a:t>
+            </a:r>
+            <a:endParaRPr sz="1000"/>
+          </a:p>
+          <a:p>
+            <a:pPr indent="0" lvl="0" marL="0" rtl="0" algn="l">
+              <a:spcBef>
+                <a:spcPts val="695"/>
+              </a:spcBef>
+              <a:spcAft>
+                <a:spcPts val="695"/>
+              </a:spcAft>
+              <a:buClr>
+                <a:schemeClr val="dk2"/>
+              </a:buClr>
+              <a:buSzPts val="637"/>
+              <a:buFont typeface="Arial"/>
+              <a:buNone/>
+            </a:pPr>
+            <a:r>
+              <a:rPr lang="it" sz="1000"/>
+              <a:t>Authentication is used to separate admin routes from common user routes, to avoid players tampering with monster data.</a:t>
+            </a:r>
+            <a:endParaRPr sz="1000"/>
           </a:p>
         </p:txBody>
       </p:sp>
@@ -10431,8 +10174,8 @@
         </p:blipFill>
         <p:spPr>
           <a:xfrm>
-            <a:off x="4572000" y="1311300"/>
-            <a:ext cx="3556625" cy="3247350"/>
+            <a:off x="3847666" y="1269101"/>
+            <a:ext cx="2086359" cy="2605275"/>
           </a:xfrm>
           <a:prstGeom prst="rect">
             <a:avLst/>
@@ -10443,6 +10186,130 @@
           </a:ln>
         </p:spPr>
       </p:pic>
+      <p:pic>
+        <p:nvPicPr>
+          <p:cNvPr id="160" name="Google Shape;160;p28"/>
+          <p:cNvPicPr preferRelativeResize="0"/>
+          <p:nvPr/>
+        </p:nvPicPr>
+        <p:blipFill>
+          <a:blip r:embed="rId4">
+            <a:alphaModFix/>
+          </a:blip>
+          <a:stretch>
+            <a:fillRect/>
+          </a:stretch>
+        </p:blipFill>
+        <p:spPr>
+          <a:xfrm>
+            <a:off x="6149783" y="1269113"/>
+            <a:ext cx="2226945" cy="2605275"/>
+          </a:xfrm>
+          <a:prstGeom prst="rect">
+            <a:avLst/>
+          </a:prstGeom>
+          <a:noFill/>
+          <a:ln>
+            <a:noFill/>
+          </a:ln>
+        </p:spPr>
+      </p:pic>
+      <p:sp>
+        <p:nvSpPr>
+          <p:cNvPr id="161" name="Google Shape;161;p28"/>
+          <p:cNvSpPr txBox="1"/>
+          <p:nvPr>
+            <p:ph type="title"/>
+          </p:nvPr>
+        </p:nvSpPr>
+        <p:spPr>
+          <a:xfrm>
+            <a:off x="311700" y="2571750"/>
+            <a:ext cx="2170200" cy="435600"/>
+          </a:xfrm>
+          <a:prstGeom prst="rect">
+            <a:avLst/>
+          </a:prstGeom>
+        </p:spPr>
+        <p:txBody>
+          <a:bodyPr anchorCtr="0" anchor="b" bIns="70650" lIns="70650" spcFirstLastPara="1" rIns="70650" wrap="square" tIns="70650">
+            <a:normAutofit/>
+          </a:bodyPr>
+          <a:lstStyle/>
+          <a:p>
+            <a:pPr indent="0" lvl="0" marL="0" rtl="0" algn="l">
+              <a:spcBef>
+                <a:spcPts val="0"/>
+              </a:spcBef>
+              <a:spcAft>
+                <a:spcPts val="0"/>
+              </a:spcAft>
+              <a:buNone/>
+            </a:pPr>
+            <a:r>
+              <a:rPr lang="it" sz="1854"/>
+              <a:t>Item service</a:t>
+            </a:r>
+            <a:endParaRPr sz="1854"/>
+          </a:p>
+        </p:txBody>
+      </p:sp>
+      <p:sp>
+        <p:nvSpPr>
+          <p:cNvPr id="162" name="Google Shape;162;p28"/>
+          <p:cNvSpPr txBox="1"/>
+          <p:nvPr>
+            <p:ph idx="1" type="body"/>
+          </p:nvPr>
+        </p:nvSpPr>
+        <p:spPr>
+          <a:xfrm>
+            <a:off x="311700" y="3052650"/>
+            <a:ext cx="2170200" cy="1597200"/>
+          </a:xfrm>
+          <a:prstGeom prst="rect">
+            <a:avLst/>
+          </a:prstGeom>
+        </p:spPr>
+        <p:txBody>
+          <a:bodyPr anchorCtr="0" anchor="t" bIns="70650" lIns="70650" spcFirstLastPara="1" rIns="70650" wrap="square" tIns="70650">
+            <a:noAutofit/>
+          </a:bodyPr>
+          <a:lstStyle/>
+          <a:p>
+            <a:pPr indent="0" lvl="0" marL="0" rtl="0" algn="l">
+              <a:spcBef>
+                <a:spcPts val="0"/>
+              </a:spcBef>
+              <a:spcAft>
+                <a:spcPts val="0"/>
+              </a:spcAft>
+              <a:buNone/>
+            </a:pPr>
+            <a:r>
+              <a:rPr lang="it" sz="1000"/>
+              <a:t>The item service handles everything related to managing the items in the game, in particular adding, editing and deleting data.</a:t>
+            </a:r>
+            <a:endParaRPr sz="1000"/>
+          </a:p>
+          <a:p>
+            <a:pPr indent="0" lvl="0" marL="0" rtl="0" algn="l">
+              <a:spcBef>
+                <a:spcPts val="927"/>
+              </a:spcBef>
+              <a:spcAft>
+                <a:spcPts val="927"/>
+              </a:spcAft>
+              <a:buNone/>
+            </a:pPr>
+            <a:r>
+              <a:rPr lang="it" sz="1000"/>
+              <a:t>Authentication is used to separate admin routes from common user routes, to avoid players tampering with item data.</a:t>
+            </a:r>
+            <a:endParaRPr sz="1000"/>
+          </a:p>
+        </p:txBody>
+      </p:sp>
     </p:spTree>
   </p:cSld>
   <p:clrMapOvr>
@@ -10456,7 +10323,7 @@
   <p:cSld>
     <p:spTree>
       <p:nvGrpSpPr>
-        <p:cNvPr id="163" name="Shape 163"/>
+        <p:cNvPr id="166" name="Shape 166"/>
         <p:cNvGrpSpPr/>
         <p:nvPr/>
       </p:nvGrpSpPr>
@@ -10470,7 +10337,7 @@
       </p:grpSpPr>
       <p:sp>
         <p:nvSpPr>
-          <p:cNvPr id="164" name="Google Shape;164;p29"/>
+          <p:cNvPr id="167" name="Google Shape;167;p29"/>
           <p:cNvSpPr txBox="1"/>
           <p:nvPr>
             <p:ph type="title"/>
@@ -10502,7 +10369,7 @@
             </a:pPr>
             <a:r>
               <a:rPr lang="it"/>
-              <a:t>Monster service</a:t>
+              <a:t>Game service</a:t>
             </a:r>
             <a:endParaRPr/>
           </a:p>
@@ -10510,7 +10377,7 @@
       </p:sp>
       <p:sp>
         <p:nvSpPr>
-          <p:cNvPr id="165" name="Google Shape;165;p29"/>
+          <p:cNvPr id="168" name="Google Shape;168;p29"/>
           <p:cNvSpPr txBox="1"/>
           <p:nvPr>
             <p:ph idx="1" type="body"/>
@@ -10519,7 +10386,7 @@
         <p:spPr>
           <a:xfrm>
             <a:off x="311700" y="1389600"/>
-            <a:ext cx="2808000" cy="3179400"/>
+            <a:ext cx="2808000" cy="1779900"/>
           </a:xfrm>
           <a:prstGeom prst="rect">
             <a:avLst/>
@@ -10538,18 +10405,13 @@
               <a:spcAft>
                 <a:spcPts val="0"/>
               </a:spcAft>
-              <a:buClr>
-                <a:schemeClr val="dk2"/>
-              </a:buClr>
-              <a:buSzPts val="1100"/>
-              <a:buFont typeface="Arial"/>
-              <a:buNone/>
-            </a:pPr>
-            <a:r>
-              <a:rPr lang="it" sz="1500"/>
-              <a:t>The monster service handles everything related to managing the creatures in the game, in particular adding, editing and deleting data.</a:t>
-            </a:r>
-            <a:endParaRPr sz="1500"/>
+              <a:buNone/>
+            </a:pPr>
+            <a:r>
+              <a:rPr lang="it" sz="1400"/>
+              <a:t>The game service handles everything related to the game-loop, from encounter generation to player collections.</a:t>
+            </a:r>
+            <a:endParaRPr sz="1400"/>
           </a:p>
           <a:p>
             <a:pPr indent="0" lvl="0" marL="0" rtl="0" algn="l">
@@ -10559,24 +10421,19 @@
               <a:spcAft>
                 <a:spcPts val="1200"/>
               </a:spcAft>
-              <a:buClr>
-                <a:schemeClr val="dk2"/>
-              </a:buClr>
-              <a:buSzPts val="1100"/>
-              <a:buFont typeface="Arial"/>
-              <a:buNone/>
-            </a:pPr>
-            <a:r>
-              <a:rPr lang="it" sz="1500"/>
-              <a:t>Authentication is used to separate admin routes from common user routes, to avoid players tampering with monster data.</a:t>
-            </a:r>
-            <a:endParaRPr sz="1300"/>
+              <a:buNone/>
+            </a:pPr>
+            <a:r>
+              <a:rPr lang="it" sz="1400"/>
+              <a:t>It also manages all user data related to the game.</a:t>
+            </a:r>
+            <a:endParaRPr sz="1400"/>
           </a:p>
         </p:txBody>
       </p:sp>
       <p:pic>
         <p:nvPicPr>
-          <p:cNvPr id="166" name="Google Shape;166;p29"/>
+          <p:cNvPr id="169" name="Google Shape;169;p29"/>
           <p:cNvPicPr preferRelativeResize="0"/>
           <p:nvPr/>
         </p:nvPicPr>
@@ -10590,8 +10447,8 @@
         </p:blipFill>
         <p:spPr>
           <a:xfrm>
-            <a:off x="4572000" y="1255267"/>
-            <a:ext cx="2653725" cy="3313733"/>
+            <a:off x="3805269" y="942900"/>
+            <a:ext cx="4254380" cy="3257699"/>
           </a:xfrm>
           <a:prstGeom prst="rect">
             <a:avLst/>
@@ -10613,9 +10470,16 @@
 <file path=ppt/slides/slide18.xml><?xml version="1.0" encoding="utf-8"?>
 <p:sld xmlns:a="http://schemas.openxmlformats.org/drawingml/2006/main" xmlns:r="http://schemas.openxmlformats.org/officeDocument/2006/relationships" xmlns:mc="http://schemas.openxmlformats.org/markup-compatibility/2006" xmlns:mv="urn:schemas-microsoft-com:mac:vml" xmlns:p="http://schemas.openxmlformats.org/presentationml/2006/main" xmlns:c="http://schemas.openxmlformats.org/drawingml/2006/chart" xmlns:dgm="http://schemas.openxmlformats.org/drawingml/2006/diagram" xmlns:o="urn:schemas-microsoft-com:office:office" xmlns:v="urn:schemas-microsoft-com:vml" xmlns:pvml="urn:schemas-microsoft-com:office:powerpoint" xmlns:com="http://schemas.openxmlformats.org/drawingml/2006/compatibility" xmlns:p14="http://schemas.microsoft.com/office/powerpoint/2010/main" xmlns:p15="http://schemas.microsoft.com/office/powerpoint/2012/main" xmlns:ahyp="http://schemas.microsoft.com/office/drawing/2018/hyperlinkcolor">
   <p:cSld>
+    <p:bg>
+      <p:bgPr>
+        <a:solidFill>
+          <a:schemeClr val="lt1"/>
+        </a:solidFill>
+      </p:bgPr>
+    </p:bg>
     <p:spTree>
       <p:nvGrpSpPr>
-        <p:cNvPr id="170" name="Shape 170"/>
+        <p:cNvPr id="173" name="Shape 173"/>
         <p:cNvGrpSpPr/>
         <p:nvPr/>
       </p:nvGrpSpPr>
@@ -10629,7 +10493,7 @@
       </p:grpSpPr>
       <p:sp>
         <p:nvSpPr>
-          <p:cNvPr id="171" name="Google Shape;171;p30"/>
+          <p:cNvPr id="174" name="Google Shape;174;p30"/>
           <p:cNvSpPr txBox="1"/>
           <p:nvPr>
             <p:ph type="title"/>
@@ -10637,16 +10501,16 @@
         </p:nvSpPr>
         <p:spPr>
           <a:xfrm>
-            <a:off x="311700" y="555600"/>
-            <a:ext cx="2808000" cy="755700"/>
+            <a:off x="311700" y="445025"/>
+            <a:ext cx="8520600" cy="572700"/>
           </a:xfrm>
           <a:prstGeom prst="rect">
             <a:avLst/>
           </a:prstGeom>
         </p:spPr>
         <p:txBody>
-          <a:bodyPr anchorCtr="0" anchor="b" bIns="91425" lIns="91425" spcFirstLastPara="1" rIns="91425" wrap="square" tIns="91425">
-            <a:normAutofit/>
+          <a:bodyPr anchorCtr="0" anchor="t" bIns="91425" lIns="91425" spcFirstLastPara="1" rIns="91425" wrap="square" tIns="91425">
+            <a:normAutofit fontScale="90000"/>
           </a:bodyPr>
           <a:lstStyle/>
           <a:p>
@@ -10661,7 +10525,7 @@
             </a:pPr>
             <a:r>
               <a:rPr lang="it"/>
-              <a:t>Item service</a:t>
+              <a:t>Technologies</a:t>
             </a:r>
             <a:endParaRPr/>
           </a:p>
@@ -10669,7 +10533,7 @@
       </p:sp>
       <p:sp>
         <p:nvSpPr>
-          <p:cNvPr id="172" name="Google Shape;172;p30"/>
+          <p:cNvPr id="175" name="Google Shape;175;p30"/>
           <p:cNvSpPr txBox="1"/>
           <p:nvPr>
             <p:ph idx="1" type="body"/>
@@ -10677,80 +10541,240 @@
         </p:nvSpPr>
         <p:spPr>
           <a:xfrm>
-            <a:off x="311700" y="1389600"/>
-            <a:ext cx="2808000" cy="3179400"/>
+            <a:off x="311700" y="1234050"/>
+            <a:ext cx="3999900" cy="3334800"/>
           </a:xfrm>
           <a:prstGeom prst="rect">
             <a:avLst/>
           </a:prstGeom>
+          <a:solidFill>
+            <a:schemeClr val="lt1"/>
+          </a:solidFill>
+          <a:ln cap="flat" cmpd="sng" w="28575">
+            <a:solidFill>
+              <a:schemeClr val="accent4"/>
+            </a:solidFill>
+            <a:prstDash val="solid"/>
+            <a:round/>
+            <a:headEnd len="sm" w="sm" type="none"/>
+            <a:tailEnd len="sm" w="sm" type="none"/>
+          </a:ln>
         </p:spPr>
         <p:txBody>
           <a:bodyPr anchorCtr="0" anchor="t" bIns="91425" lIns="91425" spcFirstLastPara="1" rIns="91425" wrap="square" tIns="91425">
-            <a:noAutofit/>
+            <a:normAutofit fontScale="77500" lnSpcReduction="20000"/>
           </a:bodyPr>
           <a:lstStyle/>
           <a:p>
-            <a:pPr indent="0" lvl="0" marL="0" rtl="0" algn="l">
-              <a:spcBef>
-                <a:spcPts val="0"/>
-              </a:spcBef>
-              <a:spcAft>
-                <a:spcPts val="0"/>
-              </a:spcAft>
-              <a:buNone/>
-            </a:pPr>
-            <a:r>
-              <a:rPr lang="it" sz="1500"/>
-              <a:t>The item service handles everything related to managing the items in the game, in particular adding, editing and deleting data.</a:t>
-            </a:r>
-            <a:endParaRPr sz="1500"/>
-          </a:p>
-          <a:p>
-            <a:pPr indent="0" lvl="0" marL="0" rtl="0" algn="l">
-              <a:spcBef>
+            <a:pPr indent="0" lvl="0" marL="12700" rtl="0" algn="l">
+              <a:spcBef>
+                <a:spcPts val="0"/>
+              </a:spcBef>
+              <a:spcAft>
+                <a:spcPts val="0"/>
+              </a:spcAft>
+              <a:buNone/>
+            </a:pPr>
+            <a:r>
+              <a:rPr lang="it" sz="2391"/>
+              <a:t>The app is distributed over different microservices, which are deployed using Docker:</a:t>
+            </a:r>
+            <a:endParaRPr sz="2391"/>
+          </a:p>
+          <a:p>
+            <a:pPr indent="-346310" lvl="0" marL="457200" rtl="0" algn="l">
+              <a:spcBef>
+                <a:spcPts val="1000"/>
+              </a:spcBef>
+              <a:spcAft>
+                <a:spcPts val="0"/>
+              </a:spcAft>
+              <a:buSzPct val="100000"/>
+              <a:buChar char="★"/>
+            </a:pPr>
+            <a:r>
+              <a:rPr lang="it" sz="2391"/>
+              <a:t>Users service</a:t>
+            </a:r>
+            <a:endParaRPr sz="2391"/>
+          </a:p>
+          <a:p>
+            <a:pPr indent="-346310" lvl="0" marL="457200" rtl="0" algn="l">
+              <a:spcBef>
+                <a:spcPts val="1000"/>
+              </a:spcBef>
+              <a:spcAft>
+                <a:spcPts val="0"/>
+              </a:spcAft>
+              <a:buSzPct val="100000"/>
+              <a:buChar char="★"/>
+            </a:pPr>
+            <a:r>
+              <a:rPr lang="it" sz="2391"/>
+              <a:t>Monsters service</a:t>
+            </a:r>
+            <a:endParaRPr sz="2391"/>
+          </a:p>
+          <a:p>
+            <a:pPr indent="-346310" lvl="0" marL="457200" rtl="0" algn="l">
+              <a:spcBef>
+                <a:spcPts val="1000"/>
+              </a:spcBef>
+              <a:spcAft>
+                <a:spcPts val="0"/>
+              </a:spcAft>
+              <a:buSzPct val="100000"/>
+              <a:buChar char="★"/>
+            </a:pPr>
+            <a:r>
+              <a:rPr lang="it" sz="2391"/>
+              <a:t>Items service</a:t>
+            </a:r>
+            <a:endParaRPr sz="2391"/>
+          </a:p>
+          <a:p>
+            <a:pPr indent="-346310" lvl="0" marL="457200" rtl="0" algn="l">
+              <a:spcBef>
+                <a:spcPts val="1000"/>
+              </a:spcBef>
+              <a:spcAft>
+                <a:spcPts val="0"/>
+              </a:spcAft>
+              <a:buSzPct val="100000"/>
+              <a:buChar char="★"/>
+            </a:pPr>
+            <a:r>
+              <a:rPr lang="it" sz="2391"/>
+              <a:t>Game service</a:t>
+            </a:r>
+            <a:endParaRPr sz="2391"/>
+          </a:p>
+          <a:p>
+            <a:pPr indent="-346310" lvl="0" marL="457200" rtl="0" algn="l">
+              <a:spcBef>
+                <a:spcPts val="1000"/>
+              </a:spcBef>
+              <a:spcAft>
+                <a:spcPts val="0"/>
+              </a:spcAft>
+              <a:buSzPct val="100000"/>
+              <a:buChar char="★"/>
+            </a:pPr>
+            <a:r>
+              <a:rPr lang="it" sz="2391"/>
+              <a:t>Web server</a:t>
+            </a:r>
+            <a:endParaRPr sz="2391"/>
+          </a:p>
+          <a:p>
+            <a:pPr indent="0" lvl="0" marL="0" rtl="0" algn="l">
+              <a:spcBef>
+                <a:spcPts val="1000"/>
+              </a:spcBef>
+              <a:spcAft>
                 <a:spcPts val="1200"/>
-              </a:spcBef>
-              <a:spcAft>
-                <a:spcPts val="1200"/>
-              </a:spcAft>
-              <a:buNone/>
-            </a:pPr>
-            <a:r>
-              <a:rPr lang="it" sz="1500"/>
-              <a:t>Authentication is used to separate admin routes from common user routes, to avoid players tampering with item data.</a:t>
-            </a:r>
-            <a:endParaRPr sz="1300"/>
+              </a:spcAft>
+              <a:buNone/>
+            </a:pPr>
+            <a:r>
+              <a:t/>
+            </a:r>
+            <a:endParaRPr/>
           </a:p>
         </p:txBody>
       </p:sp>
-      <p:pic>
-        <p:nvPicPr>
-          <p:cNvPr id="173" name="Google Shape;173;p30"/>
-          <p:cNvPicPr preferRelativeResize="0"/>
-          <p:nvPr/>
-        </p:nvPicPr>
-        <p:blipFill>
-          <a:blip r:embed="rId3">
-            <a:alphaModFix/>
-          </a:blip>
-          <a:stretch>
-            <a:fillRect/>
-          </a:stretch>
-        </p:blipFill>
-        <p:spPr>
-          <a:xfrm>
-            <a:off x="4609166" y="1311300"/>
-            <a:ext cx="2717684" cy="3179400"/>
+      <p:sp>
+        <p:nvSpPr>
+          <p:cNvPr id="176" name="Google Shape;176;p30"/>
+          <p:cNvSpPr txBox="1"/>
+          <p:nvPr>
+            <p:ph idx="2" type="body"/>
+          </p:nvPr>
+        </p:nvSpPr>
+        <p:spPr>
+          <a:xfrm>
+            <a:off x="4832400" y="1234050"/>
+            <a:ext cx="3999900" cy="3334800"/>
           </a:xfrm>
           <a:prstGeom prst="rect">
             <a:avLst/>
           </a:prstGeom>
-          <a:noFill/>
-          <a:ln>
-            <a:noFill/>
+          <a:solidFill>
+            <a:schemeClr val="lt1"/>
+          </a:solidFill>
+          <a:ln cap="flat" cmpd="sng" w="28575">
+            <a:solidFill>
+              <a:schemeClr val="accent4"/>
+            </a:solidFill>
+            <a:prstDash val="solid"/>
+            <a:round/>
+            <a:headEnd len="sm" w="sm" type="none"/>
+            <a:tailEnd len="sm" w="sm" type="none"/>
           </a:ln>
         </p:spPr>
-      </p:pic>
+        <p:txBody>
+          <a:bodyPr anchorCtr="0" anchor="t" bIns="91425" lIns="91425" spcFirstLastPara="1" rIns="91425" wrap="square" tIns="91425">
+            <a:normAutofit fontScale="92500" lnSpcReduction="20000"/>
+          </a:bodyPr>
+          <a:lstStyle/>
+          <a:p>
+            <a:pPr indent="0" lvl="0" marL="0" rtl="0" algn="l">
+              <a:spcBef>
+                <a:spcPts val="0"/>
+              </a:spcBef>
+              <a:spcAft>
+                <a:spcPts val="0"/>
+              </a:spcAft>
+              <a:buNone/>
+            </a:pPr>
+            <a:r>
+              <a:rPr lang="it" sz="2000"/>
+              <a:t>We used PostgreSQL to manage the </a:t>
+            </a:r>
+            <a:r>
+              <a:rPr lang="it" sz="2000"/>
+              <a:t>DB</a:t>
+            </a:r>
+            <a:r>
+              <a:rPr lang="it" sz="2000"/>
+              <a:t>.</a:t>
+            </a:r>
+            <a:endParaRPr sz="2000"/>
+          </a:p>
+          <a:p>
+            <a:pPr indent="0" lvl="0" marL="0" rtl="0" algn="l">
+              <a:spcBef>
+                <a:spcPts val="1200"/>
+              </a:spcBef>
+              <a:spcAft>
+                <a:spcPts val="0"/>
+              </a:spcAft>
+              <a:buNone/>
+            </a:pPr>
+            <a:r>
+              <a:rPr lang="it" sz="2000"/>
+              <a:t>Python was chosen to write the backend, in order to keep things simple, and RabbitMQ was used to keep microservices updated asynchronously.</a:t>
+            </a:r>
+            <a:endParaRPr sz="2000"/>
+          </a:p>
+          <a:p>
+            <a:pPr indent="0" lvl="0" marL="0" rtl="0" algn="l">
+              <a:spcBef>
+                <a:spcPts val="1200"/>
+              </a:spcBef>
+              <a:spcAft>
+                <a:spcPts val="1200"/>
+              </a:spcAft>
+              <a:buNone/>
+            </a:pPr>
+            <a:r>
+              <a:rPr lang="it" sz="2000"/>
+              <a:t>Vue and Javascript were used in the frontend, along with toolkits as Bootstrap, to create the UI.</a:t>
+            </a:r>
+            <a:endParaRPr sz="2000"/>
+          </a:p>
+        </p:txBody>
+      </p:sp>
     </p:spTree>
   </p:cSld>
   <p:clrMapOvr>
@@ -10764,7 +10788,7 @@
   <p:cSld>
     <p:spTree>
       <p:nvGrpSpPr>
-        <p:cNvPr id="177" name="Shape 177"/>
+        <p:cNvPr id="180" name="Shape 180"/>
         <p:cNvGrpSpPr/>
         <p:nvPr/>
       </p:nvGrpSpPr>
@@ -10778,7 +10802,7 @@
       </p:grpSpPr>
       <p:sp>
         <p:nvSpPr>
-          <p:cNvPr id="178" name="Google Shape;178;p31"/>
+          <p:cNvPr id="181" name="Google Shape;181;p31"/>
           <p:cNvSpPr txBox="1"/>
           <p:nvPr>
             <p:ph type="title"/>
@@ -10786,20 +10810,20 @@
         </p:nvSpPr>
         <p:spPr>
           <a:xfrm>
-            <a:off x="311700" y="555600"/>
-            <a:ext cx="2808000" cy="755700"/>
+            <a:off x="344250" y="1403850"/>
+            <a:ext cx="8455500" cy="2146800"/>
           </a:xfrm>
           <a:prstGeom prst="rect">
             <a:avLst/>
           </a:prstGeom>
         </p:spPr>
         <p:txBody>
-          <a:bodyPr anchorCtr="0" anchor="b" bIns="91425" lIns="91425" spcFirstLastPara="1" rIns="91425" wrap="square" tIns="91425">
+          <a:bodyPr anchorCtr="0" anchor="ctr" bIns="91425" lIns="91425" spcFirstLastPara="1" rIns="91425" wrap="square" tIns="91425">
             <a:normAutofit/>
           </a:bodyPr>
           <a:lstStyle/>
           <a:p>
-            <a:pPr indent="0" lvl="0" marL="0" rtl="0" algn="l">
+            <a:pPr indent="0" lvl="0" marL="0" rtl="0" algn="ctr">
               <a:spcBef>
                 <a:spcPts val="0"/>
               </a:spcBef>
@@ -10810,96 +10834,12 @@
             </a:pPr>
             <a:r>
               <a:rPr lang="it"/>
-              <a:t>Game service</a:t>
+              <a:t>FP and COCOMO II</a:t>
             </a:r>
             <a:endParaRPr/>
           </a:p>
         </p:txBody>
       </p:sp>
-      <p:sp>
-        <p:nvSpPr>
-          <p:cNvPr id="179" name="Google Shape;179;p31"/>
-          <p:cNvSpPr txBox="1"/>
-          <p:nvPr>
-            <p:ph idx="1" type="body"/>
-          </p:nvPr>
-        </p:nvSpPr>
-        <p:spPr>
-          <a:xfrm>
-            <a:off x="311700" y="1389600"/>
-            <a:ext cx="2808000" cy="3179400"/>
-          </a:xfrm>
-          <a:prstGeom prst="rect">
-            <a:avLst/>
-          </a:prstGeom>
-        </p:spPr>
-        <p:txBody>
-          <a:bodyPr anchorCtr="0" anchor="t" bIns="91425" lIns="91425" spcFirstLastPara="1" rIns="91425" wrap="square" tIns="91425">
-            <a:noAutofit/>
-          </a:bodyPr>
-          <a:lstStyle/>
-          <a:p>
-            <a:pPr indent="0" lvl="0" marL="0" rtl="0" algn="l">
-              <a:spcBef>
-                <a:spcPts val="0"/>
-              </a:spcBef>
-              <a:spcAft>
-                <a:spcPts val="0"/>
-              </a:spcAft>
-              <a:buNone/>
-            </a:pPr>
-            <a:r>
-              <a:rPr lang="it" sz="1800"/>
-              <a:t>The game service handles everything related to the game-loop, from encounter generation to player collections.</a:t>
-            </a:r>
-            <a:endParaRPr sz="1800"/>
-          </a:p>
-          <a:p>
-            <a:pPr indent="0" lvl="0" marL="0" rtl="0" algn="l">
-              <a:spcBef>
-                <a:spcPts val="1200"/>
-              </a:spcBef>
-              <a:spcAft>
-                <a:spcPts val="1200"/>
-              </a:spcAft>
-              <a:buNone/>
-            </a:pPr>
-            <a:r>
-              <a:rPr lang="it" sz="1800"/>
-              <a:t>It also manages all user data related to the game.</a:t>
-            </a:r>
-            <a:endParaRPr sz="1800"/>
-          </a:p>
-        </p:txBody>
-      </p:sp>
-      <p:pic>
-        <p:nvPicPr>
-          <p:cNvPr id="180" name="Google Shape;180;p31"/>
-          <p:cNvPicPr preferRelativeResize="0"/>
-          <p:nvPr/>
-        </p:nvPicPr>
-        <p:blipFill>
-          <a:blip r:embed="rId3">
-            <a:alphaModFix/>
-          </a:blip>
-          <a:stretch>
-            <a:fillRect/>
-          </a:stretch>
-        </p:blipFill>
-        <p:spPr>
-          <a:xfrm>
-            <a:off x="3814319" y="1311300"/>
-            <a:ext cx="4254380" cy="3257699"/>
-          </a:xfrm>
-          <a:prstGeom prst="rect">
-            <a:avLst/>
-          </a:prstGeom>
-          <a:noFill/>
-          <a:ln>
-            <a:noFill/>
-          </a:ln>
-        </p:spPr>
-      </p:pic>
     </p:spTree>
   </p:cSld>
   <p:clrMapOvr>
@@ -11082,7 +11022,7 @@
   <p:cSld>
     <p:spTree>
       <p:nvGrpSpPr>
-        <p:cNvPr id="184" name="Shape 184"/>
+        <p:cNvPr id="185" name="Shape 185"/>
         <p:cNvGrpSpPr/>
         <p:nvPr/>
       </p:nvGrpSpPr>
@@ -11096,7 +11036,7 @@
       </p:grpSpPr>
       <p:sp>
         <p:nvSpPr>
-          <p:cNvPr id="185" name="Google Shape;185;p32"/>
+          <p:cNvPr id="186" name="Google Shape;186;p32"/>
           <p:cNvSpPr txBox="1"/>
           <p:nvPr>
             <p:ph type="title"/>
@@ -11104,8 +11044,8 @@
         </p:nvSpPr>
         <p:spPr>
           <a:xfrm>
-            <a:off x="344250" y="1403850"/>
-            <a:ext cx="8455500" cy="2146800"/>
+            <a:off x="265500" y="852750"/>
+            <a:ext cx="4045200" cy="1146000"/>
           </a:xfrm>
           <a:prstGeom prst="rect">
             <a:avLst/>
@@ -11128,9 +11068,169 @@
             </a:pPr>
             <a:r>
               <a:rPr lang="it"/>
-              <a:t>FP and COCOMO II</a:t>
+              <a:t>Function Points</a:t>
             </a:r>
             <a:endParaRPr/>
+          </a:p>
+        </p:txBody>
+      </p:sp>
+      <p:sp>
+        <p:nvSpPr>
+          <p:cNvPr id="187" name="Google Shape;187;p32"/>
+          <p:cNvSpPr txBox="1"/>
+          <p:nvPr>
+            <p:ph idx="1" type="subTitle"/>
+          </p:nvPr>
+        </p:nvSpPr>
+        <p:spPr>
+          <a:xfrm>
+            <a:off x="265500" y="1998751"/>
+            <a:ext cx="4045200" cy="2420400"/>
+          </a:xfrm>
+          <a:prstGeom prst="rect">
+            <a:avLst/>
+          </a:prstGeom>
+        </p:spPr>
+        <p:txBody>
+          <a:bodyPr anchorCtr="0" anchor="t" bIns="91425" lIns="91425" spcFirstLastPara="1" rIns="91425" wrap="square" tIns="91425">
+            <a:noAutofit/>
+          </a:bodyPr>
+          <a:lstStyle/>
+          <a:p>
+            <a:pPr indent="0" lvl="0" marL="0" rtl="0" algn="l">
+              <a:lnSpc>
+                <a:spcPct val="80000"/>
+              </a:lnSpc>
+              <a:spcBef>
+                <a:spcPts val="0"/>
+              </a:spcBef>
+              <a:spcAft>
+                <a:spcPts val="0"/>
+              </a:spcAft>
+              <a:buSzPts val="935"/>
+              <a:buNone/>
+            </a:pPr>
+            <a:r>
+              <a:rPr lang="it" sz="1700"/>
+              <a:t>We computed the function points after having defined the architecture of the system.</a:t>
+            </a:r>
+            <a:endParaRPr sz="1700"/>
+          </a:p>
+          <a:p>
+            <a:pPr indent="0" lvl="0" marL="0" rtl="0" algn="l">
+              <a:lnSpc>
+                <a:spcPct val="80000"/>
+              </a:lnSpc>
+              <a:spcBef>
+                <a:spcPts val="1000"/>
+              </a:spcBef>
+              <a:spcAft>
+                <a:spcPts val="0"/>
+              </a:spcAft>
+              <a:buSzPts val="935"/>
+              <a:buNone/>
+            </a:pPr>
+            <a:r>
+              <a:rPr lang="it" sz="1700"/>
+              <a:t>The VAF was computed considering the 14 GSCs.</a:t>
+            </a:r>
+            <a:endParaRPr sz="1700"/>
+          </a:p>
+          <a:p>
+            <a:pPr indent="0" lvl="0" marL="0" rtl="0" algn="l">
+              <a:lnSpc>
+                <a:spcPct val="80000"/>
+              </a:lnSpc>
+              <a:spcBef>
+                <a:spcPts val="1000"/>
+              </a:spcBef>
+              <a:spcAft>
+                <a:spcPts val="0"/>
+              </a:spcAft>
+              <a:buSzPts val="935"/>
+              <a:buNone/>
+            </a:pPr>
+            <a:r>
+              <a:rPr lang="it" sz="1700"/>
+              <a:t>The KLOC estimation was done assuming ⅓ of the code to be written in Python (backend), while ⅔ would be written in Vue + Javascript (frontend).</a:t>
+            </a:r>
+            <a:endParaRPr sz="1700"/>
+          </a:p>
+        </p:txBody>
+      </p:sp>
+      <p:sp>
+        <p:nvSpPr>
+          <p:cNvPr id="188" name="Google Shape;188;p32"/>
+          <p:cNvSpPr txBox="1"/>
+          <p:nvPr>
+            <p:ph idx="2" type="body"/>
+          </p:nvPr>
+        </p:nvSpPr>
+        <p:spPr>
+          <a:xfrm>
+            <a:off x="4939500" y="1998825"/>
+            <a:ext cx="3837000" cy="2420400"/>
+          </a:xfrm>
+          <a:prstGeom prst="rect">
+            <a:avLst/>
+          </a:prstGeom>
+        </p:spPr>
+        <p:txBody>
+          <a:bodyPr anchorCtr="0" anchor="ctr" bIns="91425" lIns="91425" spcFirstLastPara="1" rIns="91425" wrap="square" tIns="91425">
+            <a:normAutofit/>
+          </a:bodyPr>
+          <a:lstStyle/>
+          <a:p>
+            <a:pPr indent="0" lvl="0" marL="0" rtl="0" algn="l">
+              <a:spcBef>
+                <a:spcPts val="0"/>
+              </a:spcBef>
+              <a:spcAft>
+                <a:spcPts val="0"/>
+              </a:spcAft>
+              <a:buNone/>
+            </a:pPr>
+            <a:r>
+              <a:rPr lang="it" sz="3500"/>
+              <a:t>UFP = 97</a:t>
+            </a:r>
+            <a:endParaRPr sz="3500"/>
+          </a:p>
+          <a:p>
+            <a:pPr indent="0" lvl="0" marL="0" rtl="0" algn="l">
+              <a:spcBef>
+                <a:spcPts val="1200"/>
+              </a:spcBef>
+              <a:spcAft>
+                <a:spcPts val="0"/>
+              </a:spcAft>
+              <a:buNone/>
+            </a:pPr>
+            <a:r>
+              <a:rPr lang="it" sz="3500"/>
+              <a:t>AFP = 107.67</a:t>
+            </a:r>
+            <a:endParaRPr sz="3500"/>
+          </a:p>
+          <a:p>
+            <a:pPr indent="0" lvl="0" marL="0" rtl="0" algn="l">
+              <a:spcBef>
+                <a:spcPts val="1200"/>
+              </a:spcBef>
+              <a:spcAft>
+                <a:spcPts val="1200"/>
+              </a:spcAft>
+              <a:buNone/>
+            </a:pPr>
+            <a:r>
+              <a:rPr lang="it" sz="3500"/>
+              <a:t>KLOC </a:t>
+            </a:r>
+            <a:r>
+              <a:rPr lang="it" sz="3500"/>
+              <a:t>≈ 4.7 KLOC</a:t>
+            </a:r>
+            <a:endParaRPr sz="3500"/>
           </a:p>
         </p:txBody>
       </p:sp>
@@ -11147,7 +11247,7 @@
   <p:cSld>
     <p:spTree>
       <p:nvGrpSpPr>
-        <p:cNvPr id="189" name="Shape 189"/>
+        <p:cNvPr id="192" name="Shape 192"/>
         <p:cNvGrpSpPr/>
         <p:nvPr/>
       </p:nvGrpSpPr>
@@ -11161,7 +11261,7 @@
       </p:grpSpPr>
       <p:sp>
         <p:nvSpPr>
-          <p:cNvPr id="190" name="Google Shape;190;p33"/>
+          <p:cNvPr id="193" name="Google Shape;193;p33"/>
           <p:cNvSpPr txBox="1"/>
           <p:nvPr>
             <p:ph type="title"/>
@@ -11193,7 +11293,7 @@
             </a:pPr>
             <a:r>
               <a:rPr lang="it"/>
-              <a:t>Function Points</a:t>
+              <a:t>COCOMO II</a:t>
             </a:r>
             <a:endParaRPr/>
           </a:p>
@@ -11201,7 +11301,7 @@
       </p:sp>
       <p:sp>
         <p:nvSpPr>
-          <p:cNvPr id="191" name="Google Shape;191;p33"/>
+          <p:cNvPr id="194" name="Google Shape;194;p33"/>
           <p:cNvSpPr txBox="1"/>
           <p:nvPr>
             <p:ph idx="1" type="subTitle"/>
@@ -11237,7 +11337,11 @@
             </a:pPr>
             <a:r>
               <a:rPr lang="it" sz="1700"/>
-              <a:t>We computed the function points after having defined the architecture of the system.</a:t>
+              <a:t>Using the post-architectural model, we estimated an effort of ≈15 PM and a time to develop of </a:t>
+            </a:r>
+            <a:r>
+              <a:rPr lang="it" sz="1700"/>
+              <a:t>≈8 months, meaning a staffing of 2 people per month.</a:t>
             </a:r>
             <a:endParaRPr sz="1700"/>
           </a:p>
@@ -11250,34 +11354,14 @@
                 <a:spcPts val="1000"/>
               </a:spcBef>
               <a:spcAft>
-                <a:spcPts val="0"/>
+                <a:spcPts val="1000"/>
               </a:spcAft>
               <a:buSzPts val="935"/>
               <a:buNone/>
             </a:pPr>
             <a:r>
               <a:rPr lang="it" sz="1700"/>
-              <a:t>The VAF was computed considering the 14 GSCs.</a:t>
-            </a:r>
-            <a:endParaRPr sz="1700"/>
-          </a:p>
-          <a:p>
-            <a:pPr indent="0" lvl="0" marL="0" rtl="0" algn="l">
-              <a:lnSpc>
-                <a:spcPct val="80000"/>
-              </a:lnSpc>
-              <a:spcBef>
-                <a:spcPts val="1000"/>
-              </a:spcBef>
-              <a:spcAft>
-                <a:spcPts val="0"/>
-              </a:spcAft>
-              <a:buSzPts val="935"/>
-              <a:buNone/>
-            </a:pPr>
-            <a:r>
-              <a:rPr lang="it" sz="1700"/>
-              <a:t>The KLOC estimation was done assuming ⅓ of the code to be written in Python (backend), while ⅔ would be written in Vue + Javascript (frontend).</a:t>
+              <a:t>The scale factors were computed based on the official COCOMO II calibration table, which evaluates Precedentedness, Flexibility, Team Cohesion, Process Maturity, and Risk Resolution.</a:t>
             </a:r>
             <a:endParaRPr sz="1700"/>
           </a:p>
@@ -11285,7 +11369,7 @@
       </p:sp>
       <p:sp>
         <p:nvSpPr>
-          <p:cNvPr id="192" name="Google Shape;192;p33"/>
+          <p:cNvPr id="195" name="Google Shape;195;p33"/>
           <p:cNvSpPr txBox="1"/>
           <p:nvPr>
             <p:ph idx="2" type="body"/>
@@ -11293,7 +11377,7 @@
         </p:nvSpPr>
         <p:spPr>
           <a:xfrm>
-            <a:off x="4939500" y="1998825"/>
+            <a:off x="4939500" y="1998750"/>
             <a:ext cx="3837000" cy="2420400"/>
           </a:xfrm>
           <a:prstGeom prst="rect">
@@ -11301,61 +11385,75 @@
           </a:prstGeom>
         </p:spPr>
         <p:txBody>
-          <a:bodyPr anchorCtr="0" anchor="ctr" bIns="91425" lIns="91425" spcFirstLastPara="1" rIns="91425" wrap="square" tIns="91425">
+          <a:bodyPr anchorCtr="0" anchor="t" bIns="91425" lIns="91425" spcFirstLastPara="1" rIns="91425" wrap="square" tIns="91425">
             <a:normAutofit/>
           </a:bodyPr>
           <a:lstStyle/>
           <a:p>
-            <a:pPr indent="0" lvl="0" marL="0" rtl="0" algn="l">
-              <a:spcBef>
-                <a:spcPts val="0"/>
-              </a:spcBef>
-              <a:spcAft>
-                <a:spcPts val="0"/>
-              </a:spcAft>
-              <a:buNone/>
-            </a:pPr>
-            <a:r>
-              <a:rPr lang="it" sz="3500"/>
-              <a:t>UFP = 97</a:t>
-            </a:r>
-            <a:endParaRPr sz="3500"/>
-          </a:p>
-          <a:p>
-            <a:pPr indent="0" lvl="0" marL="0" rtl="0" algn="l">
-              <a:spcBef>
-                <a:spcPts val="1200"/>
-              </a:spcBef>
-              <a:spcAft>
-                <a:spcPts val="0"/>
-              </a:spcAft>
-              <a:buNone/>
-            </a:pPr>
-            <a:r>
-              <a:rPr lang="it" sz="3500"/>
-              <a:t>AFP = 107.67</a:t>
-            </a:r>
-            <a:endParaRPr sz="3500"/>
-          </a:p>
-          <a:p>
-            <a:pPr indent="0" lvl="0" marL="0" rtl="0" algn="l">
-              <a:spcBef>
-                <a:spcPts val="1200"/>
-              </a:spcBef>
-              <a:spcAft>
-                <a:spcPts val="1200"/>
-              </a:spcAft>
-              <a:buNone/>
-            </a:pPr>
-            <a:r>
-              <a:rPr lang="it" sz="3500"/>
-              <a:t>KLOC </a:t>
-            </a:r>
-            <a:r>
-              <a:rPr lang="it" sz="3500"/>
-              <a:t>≈ 4.7 KLOC</a:t>
-            </a:r>
-            <a:endParaRPr sz="3500"/>
+            <a:pPr indent="0" lvl="0" marL="0" marR="0" rtl="0" algn="l">
+              <a:lnSpc>
+                <a:spcPct val="80000"/>
+              </a:lnSpc>
+              <a:spcBef>
+                <a:spcPts val="0"/>
+              </a:spcBef>
+              <a:spcAft>
+                <a:spcPts val="0"/>
+              </a:spcAft>
+              <a:buNone/>
+            </a:pPr>
+            <a:r>
+              <a:rPr lang="it" sz="1700"/>
+              <a:t>We actually were able to complete the project as a team of 3 people in 2 months. </a:t>
+            </a:r>
+            <a:endParaRPr sz="1700"/>
+          </a:p>
+          <a:p>
+            <a:pPr indent="0" lvl="0" marL="0" marR="0" rtl="0" algn="l">
+              <a:lnSpc>
+                <a:spcPct val="80000"/>
+              </a:lnSpc>
+              <a:spcBef>
+                <a:spcPts val="1000"/>
+              </a:spcBef>
+              <a:spcAft>
+                <a:spcPts val="0"/>
+              </a:spcAft>
+              <a:buClr>
+                <a:srgbClr val="000000"/>
+              </a:buClr>
+              <a:buSzPts val="935"/>
+              <a:buFont typeface="Arial"/>
+              <a:buNone/>
+            </a:pPr>
+            <a:r>
+              <a:rPr lang="it" sz="1700"/>
+              <a:t>This was mainly due to the fact that we fully parallelized tasks across sprints, and some of us had previous experience in parts of the work. </a:t>
+            </a:r>
+            <a:endParaRPr sz="1700"/>
+          </a:p>
+          <a:p>
+            <a:pPr indent="0" lvl="0" marL="0" marR="0" rtl="0" algn="l">
+              <a:lnSpc>
+                <a:spcPct val="80000"/>
+              </a:lnSpc>
+              <a:spcBef>
+                <a:spcPts val="1000"/>
+              </a:spcBef>
+              <a:spcAft>
+                <a:spcPts val="1000"/>
+              </a:spcAft>
+              <a:buClr>
+                <a:srgbClr val="000000"/>
+              </a:buClr>
+              <a:buSzPts val="935"/>
+              <a:buFont typeface="Arial"/>
+              <a:buNone/>
+            </a:pPr>
+            <a:r>
+              <a:t/>
+            </a:r>
+            <a:endParaRPr sz="1700"/>
           </a:p>
         </p:txBody>
       </p:sp>
@@ -11372,7 +11470,7 @@
   <p:cSld>
     <p:spTree>
       <p:nvGrpSpPr>
-        <p:cNvPr id="196" name="Shape 196"/>
+        <p:cNvPr id="199" name="Shape 199"/>
         <p:cNvGrpSpPr/>
         <p:nvPr/>
       </p:nvGrpSpPr>
@@ -11386,7 +11484,7 @@
       </p:grpSpPr>
       <p:sp>
         <p:nvSpPr>
-          <p:cNvPr id="197" name="Google Shape;197;p34"/>
+          <p:cNvPr id="200" name="Google Shape;200;p34"/>
           <p:cNvSpPr txBox="1"/>
           <p:nvPr>
             <p:ph type="title"/>
@@ -11394,8 +11492,8 @@
         </p:nvSpPr>
         <p:spPr>
           <a:xfrm>
-            <a:off x="265500" y="852750"/>
-            <a:ext cx="4045200" cy="1146000"/>
+            <a:off x="344250" y="1403850"/>
+            <a:ext cx="8455500" cy="2146800"/>
           </a:xfrm>
           <a:prstGeom prst="rect">
             <a:avLst/>
@@ -11418,167 +11516,9 @@
             </a:pPr>
             <a:r>
               <a:rPr lang="it"/>
-              <a:t>COCOMO II</a:t>
+              <a:t>Sprint Planning</a:t>
             </a:r>
             <a:endParaRPr/>
-          </a:p>
-        </p:txBody>
-      </p:sp>
-      <p:sp>
-        <p:nvSpPr>
-          <p:cNvPr id="198" name="Google Shape;198;p34"/>
-          <p:cNvSpPr txBox="1"/>
-          <p:nvPr>
-            <p:ph idx="1" type="subTitle"/>
-          </p:nvPr>
-        </p:nvSpPr>
-        <p:spPr>
-          <a:xfrm>
-            <a:off x="265500" y="1998751"/>
-            <a:ext cx="4045200" cy="2420400"/>
-          </a:xfrm>
-          <a:prstGeom prst="rect">
-            <a:avLst/>
-          </a:prstGeom>
-        </p:spPr>
-        <p:txBody>
-          <a:bodyPr anchorCtr="0" anchor="t" bIns="91425" lIns="91425" spcFirstLastPara="1" rIns="91425" wrap="square" tIns="91425">
-            <a:noAutofit/>
-          </a:bodyPr>
-          <a:lstStyle/>
-          <a:p>
-            <a:pPr indent="0" lvl="0" marL="0" rtl="0" algn="l">
-              <a:lnSpc>
-                <a:spcPct val="80000"/>
-              </a:lnSpc>
-              <a:spcBef>
-                <a:spcPts val="0"/>
-              </a:spcBef>
-              <a:spcAft>
-                <a:spcPts val="0"/>
-              </a:spcAft>
-              <a:buSzPts val="935"/>
-              <a:buNone/>
-            </a:pPr>
-            <a:r>
-              <a:rPr lang="it" sz="1700"/>
-              <a:t>Using the post-architectural model, we estimated an effort of ≈15 PM and a time to develop of </a:t>
-            </a:r>
-            <a:r>
-              <a:rPr lang="it" sz="1700"/>
-              <a:t>≈8 months, meaning a staffing of 2 people per month.</a:t>
-            </a:r>
-            <a:endParaRPr sz="1700"/>
-          </a:p>
-          <a:p>
-            <a:pPr indent="0" lvl="0" marL="0" rtl="0" algn="l">
-              <a:lnSpc>
-                <a:spcPct val="80000"/>
-              </a:lnSpc>
-              <a:spcBef>
-                <a:spcPts val="1000"/>
-              </a:spcBef>
-              <a:spcAft>
-                <a:spcPts val="1000"/>
-              </a:spcAft>
-              <a:buSzPts val="935"/>
-              <a:buNone/>
-            </a:pPr>
-            <a:r>
-              <a:rPr lang="it" sz="1700"/>
-              <a:t>The scale factors were computed based on the official COCOMO II calibration table, which evaluates Precedentedness, Flexibility, Team Cohesion, Process Maturity, and Risk Resolution.</a:t>
-            </a:r>
-            <a:endParaRPr sz="1700"/>
-          </a:p>
-        </p:txBody>
-      </p:sp>
-      <p:sp>
-        <p:nvSpPr>
-          <p:cNvPr id="199" name="Google Shape;199;p34"/>
-          <p:cNvSpPr txBox="1"/>
-          <p:nvPr>
-            <p:ph idx="2" type="body"/>
-          </p:nvPr>
-        </p:nvSpPr>
-        <p:spPr>
-          <a:xfrm>
-            <a:off x="4939500" y="1998750"/>
-            <a:ext cx="3837000" cy="2420400"/>
-          </a:xfrm>
-          <a:prstGeom prst="rect">
-            <a:avLst/>
-          </a:prstGeom>
-        </p:spPr>
-        <p:txBody>
-          <a:bodyPr anchorCtr="0" anchor="t" bIns="91425" lIns="91425" spcFirstLastPara="1" rIns="91425" wrap="square" tIns="91425">
-            <a:normAutofit/>
-          </a:bodyPr>
-          <a:lstStyle/>
-          <a:p>
-            <a:pPr indent="0" lvl="0" marL="0" marR="0" rtl="0" algn="l">
-              <a:lnSpc>
-                <a:spcPct val="80000"/>
-              </a:lnSpc>
-              <a:spcBef>
-                <a:spcPts val="0"/>
-              </a:spcBef>
-              <a:spcAft>
-                <a:spcPts val="0"/>
-              </a:spcAft>
-              <a:buNone/>
-            </a:pPr>
-            <a:r>
-              <a:rPr lang="it" sz="1700"/>
-              <a:t>We actually were able to complete the project as a team of 3 people in 2 months. </a:t>
-            </a:r>
-            <a:endParaRPr sz="1700"/>
-          </a:p>
-          <a:p>
-            <a:pPr indent="0" lvl="0" marL="0" marR="0" rtl="0" algn="l">
-              <a:lnSpc>
-                <a:spcPct val="80000"/>
-              </a:lnSpc>
-              <a:spcBef>
-                <a:spcPts val="1000"/>
-              </a:spcBef>
-              <a:spcAft>
-                <a:spcPts val="0"/>
-              </a:spcAft>
-              <a:buClr>
-                <a:srgbClr val="000000"/>
-              </a:buClr>
-              <a:buSzPts val="935"/>
-              <a:buFont typeface="Arial"/>
-              <a:buNone/>
-            </a:pPr>
-            <a:r>
-              <a:rPr lang="it" sz="1700"/>
-              <a:t>This was mainly due to the fact that we fully parallelized tasks across sprints, and some of us had previous experience in parts of the work. </a:t>
-            </a:r>
-            <a:endParaRPr sz="1700"/>
-          </a:p>
-          <a:p>
-            <a:pPr indent="0" lvl="0" marL="0" marR="0" rtl="0" algn="l">
-              <a:lnSpc>
-                <a:spcPct val="80000"/>
-              </a:lnSpc>
-              <a:spcBef>
-                <a:spcPts val="1000"/>
-              </a:spcBef>
-              <a:spcAft>
-                <a:spcPts val="1000"/>
-              </a:spcAft>
-              <a:buClr>
-                <a:srgbClr val="000000"/>
-              </a:buClr>
-              <a:buSzPts val="935"/>
-              <a:buFont typeface="Arial"/>
-              <a:buNone/>
-            </a:pPr>
-            <a:r>
-              <a:t/>
-            </a:r>
-            <a:endParaRPr sz="1700"/>
           </a:p>
         </p:txBody>
       </p:sp>
@@ -11595,7 +11535,7 @@
   <p:cSld>
     <p:spTree>
       <p:nvGrpSpPr>
-        <p:cNvPr id="203" name="Shape 203"/>
+        <p:cNvPr id="204" name="Shape 204"/>
         <p:cNvGrpSpPr/>
         <p:nvPr/>
       </p:nvGrpSpPr>
@@ -11609,7 +11549,7 @@
       </p:grpSpPr>
       <p:sp>
         <p:nvSpPr>
-          <p:cNvPr id="204" name="Google Shape;204;p35"/>
+          <p:cNvPr id="205" name="Google Shape;205;p35"/>
           <p:cNvSpPr txBox="1"/>
           <p:nvPr>
             <p:ph type="title"/>
@@ -11617,33 +11557,428 @@
         </p:nvSpPr>
         <p:spPr>
           <a:xfrm>
-            <a:off x="344250" y="1403850"/>
-            <a:ext cx="8455500" cy="2146800"/>
+            <a:off x="311700" y="445025"/>
+            <a:ext cx="4045200" cy="572700"/>
           </a:xfrm>
           <a:prstGeom prst="rect">
             <a:avLst/>
           </a:prstGeom>
         </p:spPr>
         <p:txBody>
-          <a:bodyPr anchorCtr="0" anchor="ctr" bIns="91425" lIns="91425" spcFirstLastPara="1" rIns="91425" wrap="square" tIns="91425">
+          <a:bodyPr anchorCtr="0" anchor="t" bIns="91425" lIns="91425" spcFirstLastPara="1" rIns="91425" wrap="square" tIns="91425">
+            <a:normAutofit fontScale="90000"/>
+          </a:bodyPr>
+          <a:lstStyle/>
+          <a:p>
+            <a:pPr indent="0" lvl="0" marL="0" rtl="0" algn="l">
+              <a:spcBef>
+                <a:spcPts val="0"/>
+              </a:spcBef>
+              <a:spcAft>
+                <a:spcPts val="0"/>
+              </a:spcAft>
+              <a:buNone/>
+            </a:pPr>
+            <a:r>
+              <a:rPr lang="it"/>
+              <a:t>SPRINT 1</a:t>
+            </a:r>
+            <a:endParaRPr/>
+          </a:p>
+        </p:txBody>
+      </p:sp>
+      <p:sp>
+        <p:nvSpPr>
+          <p:cNvPr id="206" name="Google Shape;206;p35"/>
+          <p:cNvSpPr txBox="1"/>
+          <p:nvPr>
+            <p:ph idx="1" type="body"/>
+          </p:nvPr>
+        </p:nvSpPr>
+        <p:spPr>
+          <a:xfrm>
+            <a:off x="311700" y="1234050"/>
+            <a:ext cx="3999900" cy="2071800"/>
+          </a:xfrm>
+          <a:prstGeom prst="rect">
+            <a:avLst/>
+          </a:prstGeom>
+        </p:spPr>
+        <p:txBody>
+          <a:bodyPr anchorCtr="0" anchor="t" bIns="91425" lIns="91425" spcFirstLastPara="1" rIns="91425" wrap="square" tIns="91425">
+            <a:noAutofit/>
+          </a:bodyPr>
+          <a:lstStyle/>
+          <a:p>
+            <a:pPr indent="0" lvl="0" marL="0" rtl="0" algn="l">
+              <a:lnSpc>
+                <a:spcPct val="115000"/>
+              </a:lnSpc>
+              <a:spcBef>
+                <a:spcPts val="0"/>
+              </a:spcBef>
+              <a:spcAft>
+                <a:spcPts val="0"/>
+              </a:spcAft>
+              <a:buNone/>
+            </a:pPr>
+            <a:r>
+              <a:rPr b="1" lang="it" sz="1700"/>
+              <a:t>Requirements Definition and Analysis</a:t>
+            </a:r>
+            <a:endParaRPr b="1" sz="1700"/>
+          </a:p>
+          <a:p>
+            <a:pPr indent="0" lvl="0" marL="0" rtl="0" algn="l">
+              <a:lnSpc>
+                <a:spcPct val="115000"/>
+              </a:lnSpc>
+              <a:spcBef>
+                <a:spcPts val="1200"/>
+              </a:spcBef>
+              <a:spcAft>
+                <a:spcPts val="0"/>
+              </a:spcAft>
+              <a:buNone/>
+            </a:pPr>
+            <a:r>
+              <a:t/>
+            </a:r>
+            <a:endParaRPr b="1" sz="1700"/>
+          </a:p>
+          <a:p>
+            <a:pPr indent="0" lvl="0" marL="0" rtl="0" algn="l">
+              <a:lnSpc>
+                <a:spcPct val="115000"/>
+              </a:lnSpc>
+              <a:spcBef>
+                <a:spcPts val="1200"/>
+              </a:spcBef>
+              <a:spcAft>
+                <a:spcPts val="0"/>
+              </a:spcAft>
+              <a:buNone/>
+            </a:pPr>
+            <a:r>
+              <a:rPr lang="it" sz="1700"/>
+              <a:t>K</a:t>
+            </a:r>
+            <a:r>
+              <a:rPr lang="it" sz="1700"/>
+              <a:t>ey tasks:</a:t>
+            </a:r>
+            <a:endParaRPr sz="1700"/>
+          </a:p>
+          <a:p>
+            <a:pPr indent="-336550" lvl="0" marL="457200" rtl="0" algn="l">
+              <a:lnSpc>
+                <a:spcPct val="115000"/>
+              </a:lnSpc>
+              <a:spcBef>
+                <a:spcPts val="1200"/>
+              </a:spcBef>
+              <a:spcAft>
+                <a:spcPts val="0"/>
+              </a:spcAft>
+              <a:buSzPts val="1700"/>
+              <a:buChar char="●"/>
+            </a:pPr>
+            <a:r>
+              <a:rPr lang="it" sz="1700"/>
+              <a:t>Requirements definition</a:t>
+            </a:r>
+            <a:endParaRPr sz="1700"/>
+          </a:p>
+          <a:p>
+            <a:pPr indent="-336550" lvl="0" marL="457200" rtl="0" algn="l">
+              <a:lnSpc>
+                <a:spcPct val="115000"/>
+              </a:lnSpc>
+              <a:spcBef>
+                <a:spcPts val="0"/>
+              </a:spcBef>
+              <a:spcAft>
+                <a:spcPts val="0"/>
+              </a:spcAft>
+              <a:buSzPts val="1700"/>
+              <a:buChar char="●"/>
+            </a:pPr>
+            <a:r>
+              <a:rPr lang="it" sz="1700"/>
+              <a:t>User stories definition</a:t>
+            </a:r>
+            <a:endParaRPr sz="1700"/>
+          </a:p>
+          <a:p>
+            <a:pPr indent="-336550" lvl="0" marL="457200" rtl="0" algn="l">
+              <a:lnSpc>
+                <a:spcPct val="115000"/>
+              </a:lnSpc>
+              <a:spcBef>
+                <a:spcPts val="0"/>
+              </a:spcBef>
+              <a:spcAft>
+                <a:spcPts val="0"/>
+              </a:spcAft>
+              <a:buSzPts val="1700"/>
+              <a:buChar char="●"/>
+            </a:pPr>
+            <a:r>
+              <a:rPr lang="it" sz="1700"/>
+              <a:t>Mock up</a:t>
+            </a:r>
+            <a:endParaRPr sz="1700"/>
+          </a:p>
+          <a:p>
+            <a:pPr indent="-336550" lvl="0" marL="457200" rtl="0" algn="l">
+              <a:lnSpc>
+                <a:spcPct val="115000"/>
+              </a:lnSpc>
+              <a:spcBef>
+                <a:spcPts val="0"/>
+              </a:spcBef>
+              <a:spcAft>
+                <a:spcPts val="0"/>
+              </a:spcAft>
+              <a:buSzPts val="1700"/>
+              <a:buChar char="●"/>
+            </a:pPr>
+            <a:r>
+              <a:rPr lang="it" sz="1700"/>
+              <a:t>Architecture definition</a:t>
+            </a:r>
+            <a:endParaRPr sz="1700"/>
+          </a:p>
+        </p:txBody>
+      </p:sp>
+      <p:sp>
+        <p:nvSpPr>
+          <p:cNvPr id="207" name="Google Shape;207;p35"/>
+          <p:cNvSpPr txBox="1"/>
+          <p:nvPr>
+            <p:ph idx="2" type="body"/>
+          </p:nvPr>
+        </p:nvSpPr>
+        <p:spPr>
+          <a:xfrm>
+            <a:off x="4609525" y="1234050"/>
+            <a:ext cx="4263900" cy="3334800"/>
+          </a:xfrm>
+          <a:prstGeom prst="rect">
+            <a:avLst/>
+          </a:prstGeom>
+        </p:spPr>
+        <p:txBody>
+          <a:bodyPr anchorCtr="0" anchor="t" bIns="91425" lIns="91425" spcFirstLastPara="1" rIns="91425" wrap="square" tIns="91425">
             <a:normAutofit/>
           </a:bodyPr>
           <a:lstStyle/>
           <a:p>
-            <a:pPr indent="0" lvl="0" marL="0" rtl="0" algn="ctr">
-              <a:spcBef>
-                <a:spcPts val="0"/>
-              </a:spcBef>
-              <a:spcAft>
-                <a:spcPts val="0"/>
-              </a:spcAft>
-              <a:buNone/>
-            </a:pPr>
-            <a:r>
-              <a:rPr lang="it"/>
-              <a:t>Sprint Planning</a:t>
-            </a:r>
-            <a:endParaRPr/>
+            <a:pPr indent="0" lvl="0" marL="0" rtl="0" algn="l">
+              <a:lnSpc>
+                <a:spcPct val="115000"/>
+              </a:lnSpc>
+              <a:spcBef>
+                <a:spcPts val="0"/>
+              </a:spcBef>
+              <a:spcAft>
+                <a:spcPts val="0"/>
+              </a:spcAft>
+              <a:buNone/>
+            </a:pPr>
+            <a:r>
+              <a:rPr b="1" lang="it" sz="1700"/>
+              <a:t>Authentication Service Development</a:t>
+            </a:r>
+            <a:endParaRPr b="1" sz="1700"/>
+          </a:p>
+          <a:p>
+            <a:pPr indent="0" lvl="0" marL="0" rtl="0" algn="l">
+              <a:lnSpc>
+                <a:spcPct val="115000"/>
+              </a:lnSpc>
+              <a:spcBef>
+                <a:spcPts val="0"/>
+              </a:spcBef>
+              <a:spcAft>
+                <a:spcPts val="0"/>
+              </a:spcAft>
+              <a:buNone/>
+            </a:pPr>
+            <a:r>
+              <a:t/>
+            </a:r>
+            <a:endParaRPr b="1" sz="1700"/>
+          </a:p>
+          <a:p>
+            <a:pPr indent="0" lvl="0" marL="0" rtl="0" algn="l">
+              <a:lnSpc>
+                <a:spcPct val="115000"/>
+              </a:lnSpc>
+              <a:spcBef>
+                <a:spcPts val="0"/>
+              </a:spcBef>
+              <a:spcAft>
+                <a:spcPts val="0"/>
+              </a:spcAft>
+              <a:buNone/>
+            </a:pPr>
+            <a:r>
+              <a:t/>
+            </a:r>
+            <a:endParaRPr sz="1700"/>
+          </a:p>
+          <a:p>
+            <a:pPr indent="0" lvl="0" marL="0" rtl="0" algn="l">
+              <a:lnSpc>
+                <a:spcPct val="115000"/>
+              </a:lnSpc>
+              <a:spcBef>
+                <a:spcPts val="0"/>
+              </a:spcBef>
+              <a:spcAft>
+                <a:spcPts val="0"/>
+              </a:spcAft>
+              <a:buNone/>
+            </a:pPr>
+            <a:r>
+              <a:rPr lang="it" sz="1700"/>
+              <a:t>Key tasks:</a:t>
+            </a:r>
+            <a:endParaRPr sz="1700"/>
+          </a:p>
+          <a:p>
+            <a:pPr indent="-336550" lvl="0" marL="457200" rtl="0" algn="l">
+              <a:lnSpc>
+                <a:spcPct val="115000"/>
+              </a:lnSpc>
+              <a:spcBef>
+                <a:spcPts val="1200"/>
+              </a:spcBef>
+              <a:spcAft>
+                <a:spcPts val="0"/>
+              </a:spcAft>
+              <a:buSzPts val="1700"/>
+              <a:buChar char="●"/>
+            </a:pPr>
+            <a:r>
+              <a:rPr lang="it" sz="1700"/>
+              <a:t>DB configuration for Users</a:t>
+            </a:r>
+            <a:endParaRPr sz="1700"/>
+          </a:p>
+          <a:p>
+            <a:pPr indent="-336550" lvl="0" marL="457200" rtl="0" algn="l">
+              <a:lnSpc>
+                <a:spcPct val="115000"/>
+              </a:lnSpc>
+              <a:spcBef>
+                <a:spcPts val="0"/>
+              </a:spcBef>
+              <a:spcAft>
+                <a:spcPts val="0"/>
+              </a:spcAft>
+              <a:buSzPts val="1700"/>
+              <a:buChar char="●"/>
+            </a:pPr>
+            <a:r>
+              <a:rPr lang="it" sz="1700"/>
+              <a:t>Login backend implementation</a:t>
+            </a:r>
+            <a:endParaRPr sz="1700"/>
+          </a:p>
+          <a:p>
+            <a:pPr indent="-336550" lvl="0" marL="457200" rtl="0" algn="l">
+              <a:lnSpc>
+                <a:spcPct val="115000"/>
+              </a:lnSpc>
+              <a:spcBef>
+                <a:spcPts val="0"/>
+              </a:spcBef>
+              <a:spcAft>
+                <a:spcPts val="0"/>
+              </a:spcAft>
+              <a:buSzPts val="1700"/>
+              <a:buChar char="●"/>
+            </a:pPr>
+            <a:r>
+              <a:rPr lang="it" sz="1700"/>
+              <a:t>Login and Registration Pages</a:t>
+            </a:r>
+            <a:endParaRPr sz="1700"/>
+          </a:p>
+          <a:p>
+            <a:pPr indent="-336550" lvl="0" marL="457200" rtl="0" algn="l">
+              <a:lnSpc>
+                <a:spcPct val="115000"/>
+              </a:lnSpc>
+              <a:spcBef>
+                <a:spcPts val="0"/>
+              </a:spcBef>
+              <a:spcAft>
+                <a:spcPts val="0"/>
+              </a:spcAft>
+              <a:buSzPts val="1700"/>
+              <a:buChar char="●"/>
+            </a:pPr>
+            <a:r>
+              <a:rPr lang="it" sz="1700"/>
+              <a:t>Admin Panel Page- User Management Section</a:t>
+            </a:r>
+            <a:endParaRPr sz="1700"/>
+          </a:p>
+        </p:txBody>
+      </p:sp>
+      <p:sp>
+        <p:nvSpPr>
+          <p:cNvPr id="208" name="Google Shape;208;p35"/>
+          <p:cNvSpPr txBox="1"/>
+          <p:nvPr/>
+        </p:nvSpPr>
+        <p:spPr>
+          <a:xfrm>
+            <a:off x="4609525" y="431225"/>
+            <a:ext cx="3000000" cy="600300"/>
+          </a:xfrm>
+          <a:prstGeom prst="rect">
+            <a:avLst/>
+          </a:prstGeom>
+          <a:noFill/>
+          <a:ln>
+            <a:noFill/>
+          </a:ln>
+        </p:spPr>
+        <p:txBody>
+          <a:bodyPr anchorCtr="0" anchor="t" bIns="91425" lIns="91425" spcFirstLastPara="1" rIns="91425" wrap="square" tIns="91425">
+            <a:spAutoFit/>
+          </a:bodyPr>
+          <a:lstStyle/>
+          <a:p>
+            <a:pPr indent="0" lvl="0" marL="0" rtl="0" algn="l">
+              <a:spcBef>
+                <a:spcPts val="0"/>
+              </a:spcBef>
+              <a:spcAft>
+                <a:spcPts val="0"/>
+              </a:spcAft>
+              <a:buNone/>
+            </a:pPr>
+            <a:r>
+              <a:rPr lang="it" sz="2700">
+                <a:solidFill>
+                  <a:schemeClr val="dk2"/>
+                </a:solidFill>
+                <a:highlight>
+                  <a:schemeClr val="dk1"/>
+                </a:highlight>
+                <a:latin typeface="Oswald"/>
+                <a:ea typeface="Oswald"/>
+                <a:cs typeface="Oswald"/>
+                <a:sym typeface="Oswald"/>
+              </a:rPr>
+              <a:t>SPRINT 2</a:t>
+            </a:r>
+            <a:endParaRPr sz="1100"/>
           </a:p>
         </p:txBody>
       </p:sp>
@@ -11660,7 +11995,7 @@
   <p:cSld>
     <p:spTree>
       <p:nvGrpSpPr>
-        <p:cNvPr id="208" name="Shape 208"/>
+        <p:cNvPr id="212" name="Shape 212"/>
         <p:cNvGrpSpPr/>
         <p:nvPr/>
       </p:nvGrpSpPr>
@@ -11674,7 +12009,7 @@
       </p:grpSpPr>
       <p:sp>
         <p:nvSpPr>
-          <p:cNvPr id="209" name="Google Shape;209;p36"/>
+          <p:cNvPr id="213" name="Google Shape;213;p36"/>
           <p:cNvSpPr txBox="1"/>
           <p:nvPr>
             <p:ph type="title"/>
@@ -11706,7 +12041,7 @@
             </a:pPr>
             <a:r>
               <a:rPr lang="it"/>
-              <a:t>SPRINT 1</a:t>
+              <a:t>SPRINT 3</a:t>
             </a:r>
             <a:endParaRPr/>
           </a:p>
@@ -11714,7 +12049,7 @@
       </p:sp>
       <p:sp>
         <p:nvSpPr>
-          <p:cNvPr id="210" name="Google Shape;210;p36"/>
+          <p:cNvPr id="214" name="Google Shape;214;p36"/>
           <p:cNvSpPr txBox="1"/>
           <p:nvPr>
             <p:ph idx="1" type="body"/>
@@ -11723,7 +12058,7 @@
         <p:spPr>
           <a:xfrm>
             <a:off x="311700" y="1234050"/>
-            <a:ext cx="3999900" cy="2071800"/>
+            <a:ext cx="3999900" cy="3334800"/>
           </a:xfrm>
           <a:prstGeom prst="rect">
             <a:avLst/>
@@ -11731,7 +12066,7 @@
         </p:spPr>
         <p:txBody>
           <a:bodyPr anchorCtr="0" anchor="t" bIns="91425" lIns="91425" spcFirstLastPara="1" rIns="91425" wrap="square" tIns="91425">
-            <a:noAutofit/>
+            <a:normAutofit/>
           </a:bodyPr>
           <a:lstStyle/>
           <a:p>
@@ -11749,7 +12084,11 @@
             </a:pPr>
             <a:r>
               <a:rPr b="1" lang="it" sz="1700"/>
-              <a:t>Requirements Definition and Analysis</a:t>
+              <a:t>Monster </a:t>
+            </a:r>
+            <a:r>
+              <a:rPr b="1" lang="it" sz="1700"/>
+              <a:t>Service Development</a:t>
             </a:r>
             <a:endParaRPr b="1" sz="1700"/>
           </a:p>
@@ -11759,7 +12098,7 @@
                 <a:spcPct val="115000"/>
               </a:lnSpc>
               <a:spcBef>
-                <a:spcPts val="1200"/>
+                <a:spcPts val="0"/>
               </a:spcBef>
               <a:spcAft>
                 <a:spcPts val="0"/>
@@ -11777,7 +12116,30 @@
                 <a:spcPct val="115000"/>
               </a:lnSpc>
               <a:spcBef>
-                <a:spcPts val="1200"/>
+                <a:spcPts val="0"/>
+              </a:spcBef>
+              <a:spcAft>
+                <a:spcPts val="0"/>
+              </a:spcAft>
+              <a:buClr>
+                <a:schemeClr val="dk2"/>
+              </a:buClr>
+              <a:buSzPts val="1100"/>
+              <a:buFont typeface="Arial"/>
+              <a:buNone/>
+            </a:pPr>
+            <a:r>
+              <a:t/>
+            </a:r>
+            <a:endParaRPr b="1" sz="1700"/>
+          </a:p>
+          <a:p>
+            <a:pPr indent="0" lvl="0" marL="0" rtl="0" algn="l">
+              <a:lnSpc>
+                <a:spcPct val="115000"/>
+              </a:lnSpc>
+              <a:spcBef>
+                <a:spcPts val="0"/>
               </a:spcBef>
               <a:spcAft>
                 <a:spcPts val="0"/>
@@ -11786,11 +12148,7 @@
             </a:pPr>
             <a:r>
               <a:rPr lang="it" sz="1700"/>
-              <a:t>K</a:t>
-            </a:r>
-            <a:r>
-              <a:rPr lang="it" sz="1700"/>
-              <a:t>ey tasks:</a:t>
+              <a:t>Key tasks:</a:t>
             </a:r>
             <a:endParaRPr sz="1700"/>
           </a:p>
@@ -11810,7 +12168,7 @@
             </a:pPr>
             <a:r>
               <a:rPr lang="it" sz="1700"/>
-              <a:t>Requirements definition</a:t>
+              <a:t>DB configuration for Monsters</a:t>
             </a:r>
             <a:endParaRPr sz="1700"/>
           </a:p>
@@ -11830,7 +12188,7 @@
             </a:pPr>
             <a:r>
               <a:rPr lang="it" sz="1700"/>
-              <a:t>User stories definition</a:t>
+              <a:t>Backend implementation</a:t>
             </a:r>
             <a:endParaRPr sz="1700"/>
           </a:p>
@@ -11850,27 +12208,7 @@
             </a:pPr>
             <a:r>
               <a:rPr lang="it" sz="1700"/>
-              <a:t>Mock up</a:t>
-            </a:r>
-            <a:endParaRPr sz="1700"/>
-          </a:p>
-          <a:p>
-            <a:pPr indent="-336550" lvl="0" marL="457200" rtl="0" algn="l">
-              <a:lnSpc>
-                <a:spcPct val="115000"/>
-              </a:lnSpc>
-              <a:spcBef>
-                <a:spcPts val="0"/>
-              </a:spcBef>
-              <a:spcAft>
-                <a:spcPts val="0"/>
-              </a:spcAft>
-              <a:buSzPts val="1700"/>
-              <a:buChar char="●"/>
-            </a:pPr>
-            <a:r>
-              <a:rPr lang="it" sz="1700"/>
-              <a:t>Architecture definition</a:t>
+              <a:t>Admin Panel Page - Monster Management Section</a:t>
             </a:r>
             <a:endParaRPr sz="1700"/>
           </a:p>
@@ -11878,7 +12216,7 @@
       </p:sp>
       <p:sp>
         <p:nvSpPr>
-          <p:cNvPr id="211" name="Google Shape;211;p36"/>
+          <p:cNvPr id="215" name="Google Shape;215;p36"/>
           <p:cNvSpPr txBox="1"/>
           <p:nvPr>
             <p:ph idx="2" type="body"/>
@@ -11886,8 +12224,8 @@
         </p:nvSpPr>
         <p:spPr>
           <a:xfrm>
-            <a:off x="4609525" y="1234050"/>
-            <a:ext cx="4263900" cy="3334800"/>
+            <a:off x="4680200" y="1234050"/>
+            <a:ext cx="4169700" cy="3334800"/>
           </a:xfrm>
           <a:prstGeom prst="rect">
             <a:avLst/>
@@ -11895,7 +12233,7 @@
         </p:spPr>
         <p:txBody>
           <a:bodyPr anchorCtr="0" anchor="t" bIns="91425" lIns="91425" spcFirstLastPara="1" rIns="91425" wrap="square" tIns="91425">
-            <a:normAutofit/>
+            <a:normAutofit lnSpcReduction="10000"/>
           </a:bodyPr>
           <a:lstStyle/>
           <a:p>
@@ -11913,7 +12251,11 @@
             </a:pPr>
             <a:r>
               <a:rPr b="1" lang="it" sz="1700"/>
-              <a:t>Authentication Service Development</a:t>
+              <a:t>Item</a:t>
+            </a:r>
+            <a:r>
+              <a:rPr b="1" lang="it" sz="1700"/>
+              <a:t> Service Development</a:t>
             </a:r>
             <a:endParaRPr b="1" sz="1700"/>
           </a:p>
@@ -11933,7 +12275,7 @@
             <a:r>
               <a:t/>
             </a:r>
-            <a:endParaRPr b="1" sz="1700"/>
+            <a:endParaRPr sz="1700"/>
           </a:p>
           <a:p>
             <a:pPr indent="0" lvl="0" marL="0" rtl="0" algn="l">
@@ -11988,7 +12330,7 @@
             </a:pPr>
             <a:r>
               <a:rPr lang="it" sz="1700"/>
-              <a:t>DB configuration for Users</a:t>
+              <a:t>DB configuration for Items</a:t>
             </a:r>
             <a:endParaRPr sz="1700"/>
           </a:p>
@@ -12008,7 +12350,7 @@
             </a:pPr>
             <a:r>
               <a:rPr lang="it" sz="1700"/>
-              <a:t>Login backend implementation</a:t>
+              <a:t>Backend implementation</a:t>
             </a:r>
             <a:endParaRPr sz="1700"/>
           </a:p>
@@ -12028,41 +12370,51 @@
             </a:pPr>
             <a:r>
               <a:rPr lang="it" sz="1700"/>
-              <a:t>Login and Registration Pages</a:t>
+              <a:t>Admin Panel Page- Item Management Section</a:t>
             </a:r>
             <a:endParaRPr sz="1700"/>
           </a:p>
           <a:p>
-            <a:pPr indent="-336550" lvl="0" marL="457200" rtl="0" algn="l">
-              <a:lnSpc>
-                <a:spcPct val="115000"/>
-              </a:lnSpc>
-              <a:spcBef>
-                <a:spcPts val="0"/>
-              </a:spcBef>
-              <a:spcAft>
-                <a:spcPts val="0"/>
-              </a:spcAft>
-              <a:buSzPts val="1700"/>
-              <a:buChar char="●"/>
-            </a:pPr>
-            <a:r>
-              <a:rPr lang="it" sz="1700"/>
-              <a:t>Admin Panel Page- User Management Section</a:t>
-            </a:r>
-            <a:endParaRPr sz="1700"/>
+            <a:pPr indent="0" lvl="0" marL="0" rtl="0" algn="l">
+              <a:spcBef>
+                <a:spcPts val="1200"/>
+              </a:spcBef>
+              <a:spcAft>
+                <a:spcPts val="0"/>
+              </a:spcAft>
+              <a:buNone/>
+            </a:pPr>
+            <a:r>
+              <a:t/>
+            </a:r>
+            <a:endParaRPr/>
+          </a:p>
+          <a:p>
+            <a:pPr indent="0" lvl="0" marL="0" rtl="0" algn="l">
+              <a:spcBef>
+                <a:spcPts val="1200"/>
+              </a:spcBef>
+              <a:spcAft>
+                <a:spcPts val="1200"/>
+              </a:spcAft>
+              <a:buNone/>
+            </a:pPr>
+            <a:r>
+              <a:t/>
+            </a:r>
+            <a:endParaRPr/>
           </a:p>
         </p:txBody>
       </p:sp>
       <p:sp>
         <p:nvSpPr>
-          <p:cNvPr id="212" name="Google Shape;212;p36"/>
+          <p:cNvPr id="216" name="Google Shape;216;p36"/>
           <p:cNvSpPr txBox="1"/>
           <p:nvPr/>
         </p:nvSpPr>
         <p:spPr>
           <a:xfrm>
-            <a:off x="4609525" y="431225"/>
+            <a:off x="4617375" y="431225"/>
             <a:ext cx="3000000" cy="600300"/>
           </a:xfrm>
           <a:prstGeom prst="rect">
@@ -12101,7 +12453,7 @@
                 <a:cs typeface="Oswald"/>
                 <a:sym typeface="Oswald"/>
               </a:rPr>
-              <a:t>SPRINT 2</a:t>
+              <a:t>SPRINT 4</a:t>
             </a:r>
             <a:endParaRPr sz="1100"/>
           </a:p>
@@ -12120,7 +12472,7 @@
   <p:cSld>
     <p:spTree>
       <p:nvGrpSpPr>
-        <p:cNvPr id="216" name="Shape 216"/>
+        <p:cNvPr id="220" name="Shape 220"/>
         <p:cNvGrpSpPr/>
         <p:nvPr/>
       </p:nvGrpSpPr>
@@ -12134,7 +12486,7 @@
       </p:grpSpPr>
       <p:sp>
         <p:nvSpPr>
-          <p:cNvPr id="217" name="Google Shape;217;p37"/>
+          <p:cNvPr id="221" name="Google Shape;221;p37"/>
           <p:cNvSpPr txBox="1"/>
           <p:nvPr>
             <p:ph type="title"/>
@@ -12166,7 +12518,7 @@
             </a:pPr>
             <a:r>
               <a:rPr lang="it"/>
-              <a:t>SPRINT 3</a:t>
+              <a:t>SPRINT 5</a:t>
             </a:r>
             <a:endParaRPr/>
           </a:p>
@@ -12174,7 +12526,7 @@
       </p:sp>
       <p:sp>
         <p:nvSpPr>
-          <p:cNvPr id="218" name="Google Shape;218;p37"/>
+          <p:cNvPr id="222" name="Google Shape;222;p37"/>
           <p:cNvSpPr txBox="1"/>
           <p:nvPr>
             <p:ph idx="1" type="body"/>
@@ -12191,7 +12543,7 @@
         </p:spPr>
         <p:txBody>
           <a:bodyPr anchorCtr="0" anchor="t" bIns="91425" lIns="91425" spcFirstLastPara="1" rIns="91425" wrap="square" tIns="91425">
-            <a:normAutofit/>
+            <a:noAutofit/>
           </a:bodyPr>
           <a:lstStyle/>
           <a:p>
@@ -12209,11 +12561,11 @@
             </a:pPr>
             <a:r>
               <a:rPr b="1" lang="it" sz="1700"/>
-              <a:t>Monster </a:t>
+              <a:t>Game Service </a:t>
             </a:r>
             <a:r>
               <a:rPr b="1" lang="it" sz="1700"/>
-              <a:t>Service Development</a:t>
+              <a:t>Initialization</a:t>
             </a:r>
             <a:endParaRPr b="1" sz="1700"/>
           </a:p>
@@ -12228,29 +12580,6 @@
               <a:spcAft>
                 <a:spcPts val="0"/>
               </a:spcAft>
-              <a:buNone/>
-            </a:pPr>
-            <a:r>
-              <a:t/>
-            </a:r>
-            <a:endParaRPr b="1" sz="1700"/>
-          </a:p>
-          <a:p>
-            <a:pPr indent="0" lvl="0" marL="0" rtl="0" algn="l">
-              <a:lnSpc>
-                <a:spcPct val="115000"/>
-              </a:lnSpc>
-              <a:spcBef>
-                <a:spcPts val="0"/>
-              </a:spcBef>
-              <a:spcAft>
-                <a:spcPts val="0"/>
-              </a:spcAft>
-              <a:buClr>
-                <a:schemeClr val="dk2"/>
-              </a:buClr>
-              <a:buSzPts val="1100"/>
-              <a:buFont typeface="Arial"/>
               <a:buNone/>
             </a:pPr>
             <a:r>
@@ -12293,7 +12622,7 @@
             </a:pPr>
             <a:r>
               <a:rPr lang="it" sz="1700"/>
-              <a:t>DB configuration for Monsters</a:t>
+              <a:t>DB configuration for Encounters</a:t>
             </a:r>
             <a:endParaRPr sz="1700"/>
           </a:p>
@@ -12313,7 +12642,7 @@
             </a:pPr>
             <a:r>
               <a:rPr lang="it" sz="1700"/>
-              <a:t>Backend implementation</a:t>
+              <a:t>Partial game microservice implementation</a:t>
             </a:r>
             <a:endParaRPr sz="1700"/>
           </a:p>
@@ -12333,7 +12662,51 @@
             </a:pPr>
             <a:r>
               <a:rPr lang="it" sz="1700"/>
-              <a:t>Admin Panel Page - Monster Management Section</a:t>
+              <a:t>Implementation of Inter-Service Communication</a:t>
+            </a:r>
+            <a:endParaRPr sz="1700"/>
+          </a:p>
+          <a:p>
+            <a:pPr indent="-336550" lvl="0" marL="457200" rtl="0" algn="l">
+              <a:lnSpc>
+                <a:spcPct val="115000"/>
+              </a:lnSpc>
+              <a:spcBef>
+                <a:spcPts val="0"/>
+              </a:spcBef>
+              <a:spcAft>
+                <a:spcPts val="0"/>
+              </a:spcAft>
+              <a:buSzPts val="1700"/>
+              <a:buChar char="●"/>
+            </a:pPr>
+            <a:r>
+              <a:rPr lang="it" sz="1700"/>
+              <a:t>Home Page</a:t>
+            </a:r>
+            <a:endParaRPr sz="1700"/>
+          </a:p>
+          <a:p>
+            <a:pPr indent="-336550" lvl="0" marL="457200" rtl="0" algn="l">
+              <a:lnSpc>
+                <a:spcPct val="115000"/>
+              </a:lnSpc>
+              <a:spcBef>
+                <a:spcPts val="0"/>
+              </a:spcBef>
+              <a:spcAft>
+                <a:spcPts val="0"/>
+              </a:spcAft>
+              <a:buSzPts val="1700"/>
+              <a:buChar char="●"/>
+            </a:pPr>
+            <a:r>
+              <a:rPr lang="it" sz="1700"/>
+              <a:t>Encounter Page</a:t>
+            </a:r>
+            <a:r>
+              <a:rPr lang="it" sz="1700"/>
+              <a:t> </a:t>
             </a:r>
             <a:endParaRPr sz="1700"/>
           </a:p>
@@ -12341,7 +12714,7 @@
       </p:sp>
       <p:sp>
         <p:nvSpPr>
-          <p:cNvPr id="219" name="Google Shape;219;p37"/>
+          <p:cNvPr id="223" name="Google Shape;223;p37"/>
           <p:cNvSpPr txBox="1"/>
           <p:nvPr>
             <p:ph idx="2" type="body"/>
@@ -12358,7 +12731,7 @@
         </p:spPr>
         <p:txBody>
           <a:bodyPr anchorCtr="0" anchor="t" bIns="91425" lIns="91425" spcFirstLastPara="1" rIns="91425" wrap="square" tIns="91425">
-            <a:normAutofit lnSpcReduction="10000"/>
+            <a:normAutofit/>
           </a:bodyPr>
           <a:lstStyle/>
           <a:p>
@@ -12376,11 +12749,11 @@
             </a:pPr>
             <a:r>
               <a:rPr b="1" lang="it" sz="1700"/>
-              <a:t>Item</a:t>
+              <a:t>Game </a:t>
             </a:r>
             <a:r>
               <a:rPr b="1" lang="it" sz="1700"/>
-              <a:t> Service Development</a:t>
+              <a:t>Service Development (Collection)</a:t>
             </a:r>
             <a:endParaRPr b="1" sz="1700"/>
           </a:p>
@@ -12400,25 +12773,7 @@
             <a:r>
               <a:t/>
             </a:r>
-            <a:endParaRPr sz="1700"/>
-          </a:p>
-          <a:p>
-            <a:pPr indent="0" lvl="0" marL="0" rtl="0" algn="l">
-              <a:lnSpc>
-                <a:spcPct val="115000"/>
-              </a:lnSpc>
-              <a:spcBef>
-                <a:spcPts val="0"/>
-              </a:spcBef>
-              <a:spcAft>
-                <a:spcPts val="0"/>
-              </a:spcAft>
-              <a:buNone/>
-            </a:pPr>
-            <a:r>
-              <a:t/>
-            </a:r>
-            <a:endParaRPr sz="1700"/>
+            <a:endParaRPr b="1" sz="1700"/>
           </a:p>
           <a:p>
             <a:pPr indent="0" lvl="0" marL="0" rtl="0" algn="l">
@@ -12455,7 +12810,7 @@
             </a:pPr>
             <a:r>
               <a:rPr lang="it" sz="1700"/>
-              <a:t>DB configuration for Items</a:t>
+              <a:t>DB configuration for Collection</a:t>
             </a:r>
             <a:endParaRPr sz="1700"/>
           </a:p>
@@ -12475,7 +12830,7 @@
             </a:pPr>
             <a:r>
               <a:rPr lang="it" sz="1700"/>
-              <a:t>Backend implementation</a:t>
+              <a:t>Extending Game microservice (monster collection)</a:t>
             </a:r>
             <a:endParaRPr sz="1700"/>
           </a:p>
@@ -12495,45 +12850,15 @@
             </a:pPr>
             <a:r>
               <a:rPr lang="it" sz="1700"/>
-              <a:t>Admin Panel Page- Item Management Section</a:t>
+              <a:t>Collection page</a:t>
             </a:r>
             <a:endParaRPr sz="1700"/>
-          </a:p>
-          <a:p>
-            <a:pPr indent="0" lvl="0" marL="0" rtl="0" algn="l">
-              <a:spcBef>
-                <a:spcPts val="1200"/>
-              </a:spcBef>
-              <a:spcAft>
-                <a:spcPts val="0"/>
-              </a:spcAft>
-              <a:buNone/>
-            </a:pPr>
-            <a:r>
-              <a:t/>
-            </a:r>
-            <a:endParaRPr/>
-          </a:p>
-          <a:p>
-            <a:pPr indent="0" lvl="0" marL="0" rtl="0" algn="l">
-              <a:spcBef>
-                <a:spcPts val="1200"/>
-              </a:spcBef>
-              <a:spcAft>
-                <a:spcPts val="1200"/>
-              </a:spcAft>
-              <a:buNone/>
-            </a:pPr>
-            <a:r>
-              <a:t/>
-            </a:r>
-            <a:endParaRPr/>
           </a:p>
         </p:txBody>
       </p:sp>
       <p:sp>
         <p:nvSpPr>
-          <p:cNvPr id="220" name="Google Shape;220;p37"/>
+          <p:cNvPr id="224" name="Google Shape;224;p37"/>
           <p:cNvSpPr txBox="1"/>
           <p:nvPr/>
         </p:nvSpPr>
@@ -12578,7 +12903,7 @@
                 <a:cs typeface="Oswald"/>
                 <a:sym typeface="Oswald"/>
               </a:rPr>
-              <a:t>SPRINT 4</a:t>
+              <a:t>SPRINT 6</a:t>
             </a:r>
             <a:endParaRPr sz="1100"/>
           </a:p>
@@ -12597,7 +12922,7 @@
   <p:cSld>
     <p:spTree>
       <p:nvGrpSpPr>
-        <p:cNvPr id="224" name="Shape 224"/>
+        <p:cNvPr id="228" name="Shape 228"/>
         <p:cNvGrpSpPr/>
         <p:nvPr/>
       </p:nvGrpSpPr>
@@ -12611,7 +12936,7 @@
       </p:grpSpPr>
       <p:sp>
         <p:nvSpPr>
-          <p:cNvPr id="225" name="Google Shape;225;p38"/>
+          <p:cNvPr id="229" name="Google Shape;229;p38"/>
           <p:cNvSpPr txBox="1"/>
           <p:nvPr>
             <p:ph type="title"/>
@@ -12643,7 +12968,7 @@
             </a:pPr>
             <a:r>
               <a:rPr lang="it"/>
-              <a:t>SPRINT 5</a:t>
+              <a:t>SPRINT 7</a:t>
             </a:r>
             <a:endParaRPr/>
           </a:p>
@@ -12651,7 +12976,7 @@
       </p:sp>
       <p:sp>
         <p:nvSpPr>
-          <p:cNvPr id="226" name="Google Shape;226;p38"/>
+          <p:cNvPr id="230" name="Google Shape;230;p38"/>
           <p:cNvSpPr txBox="1"/>
           <p:nvPr>
             <p:ph idx="1" type="body"/>
@@ -12668,7 +12993,7 @@
         </p:spPr>
         <p:txBody>
           <a:bodyPr anchorCtr="0" anchor="t" bIns="91425" lIns="91425" spcFirstLastPara="1" rIns="91425" wrap="square" tIns="91425">
-            <a:noAutofit/>
+            <a:normAutofit/>
           </a:bodyPr>
           <a:lstStyle/>
           <a:p>
@@ -12686,11 +13011,7 @@
             </a:pPr>
             <a:r>
               <a:rPr b="1" lang="it" sz="1700"/>
-              <a:t>Game Service </a:t>
-            </a:r>
-            <a:r>
-              <a:rPr b="1" lang="it" sz="1700"/>
-              <a:t>Initialization</a:t>
+              <a:t>Game Service Development (Inventory)</a:t>
             </a:r>
             <a:endParaRPr b="1" sz="1700"/>
           </a:p>
@@ -12747,7 +13068,7 @@
             </a:pPr>
             <a:r>
               <a:rPr lang="it" sz="1700"/>
-              <a:t>DB configuration for Encounters</a:t>
+              <a:t>DB configuration for Inventory</a:t>
             </a:r>
             <a:endParaRPr sz="1700"/>
           </a:p>
@@ -12767,7 +13088,7 @@
             </a:pPr>
             <a:r>
               <a:rPr lang="it" sz="1700"/>
-              <a:t>Partial game microservice implementation</a:t>
+              <a:t>Extending Game microservice (inventory)</a:t>
             </a:r>
             <a:endParaRPr sz="1700"/>
           </a:p>
@@ -12787,51 +13108,7 @@
             </a:pPr>
             <a:r>
               <a:rPr lang="it" sz="1700"/>
-              <a:t>Implementation of Inter-Service Communication</a:t>
-            </a:r>
-            <a:endParaRPr sz="1700"/>
-          </a:p>
-          <a:p>
-            <a:pPr indent="-336550" lvl="0" marL="457200" rtl="0" algn="l">
-              <a:lnSpc>
-                <a:spcPct val="115000"/>
-              </a:lnSpc>
-              <a:spcBef>
-                <a:spcPts val="0"/>
-              </a:spcBef>
-              <a:spcAft>
-                <a:spcPts val="0"/>
-              </a:spcAft>
-              <a:buSzPts val="1700"/>
-              <a:buChar char="●"/>
-            </a:pPr>
-            <a:r>
-              <a:rPr lang="it" sz="1700"/>
-              <a:t>Home Page</a:t>
-            </a:r>
-            <a:endParaRPr sz="1700"/>
-          </a:p>
-          <a:p>
-            <a:pPr indent="-336550" lvl="0" marL="457200" rtl="0" algn="l">
-              <a:lnSpc>
-                <a:spcPct val="115000"/>
-              </a:lnSpc>
-              <a:spcBef>
-                <a:spcPts val="0"/>
-              </a:spcBef>
-              <a:spcAft>
-                <a:spcPts val="0"/>
-              </a:spcAft>
-              <a:buSzPts val="1700"/>
-              <a:buChar char="●"/>
-            </a:pPr>
-            <a:r>
-              <a:rPr lang="it" sz="1700"/>
-              <a:t>Encounter Page</a:t>
-            </a:r>
-            <a:r>
-              <a:rPr lang="it" sz="1700"/>
-              <a:t> </a:t>
+              <a:t>Inventory page</a:t>
             </a:r>
             <a:endParaRPr sz="1700"/>
           </a:p>
@@ -12839,7 +13116,7 @@
       </p:sp>
       <p:sp>
         <p:nvSpPr>
-          <p:cNvPr id="227" name="Google Shape;227;p38"/>
+          <p:cNvPr id="231" name="Google Shape;231;p38"/>
           <p:cNvSpPr txBox="1"/>
           <p:nvPr>
             <p:ph idx="2" type="body"/>
@@ -12848,7 +13125,7 @@
         <p:spPr>
           <a:xfrm>
             <a:off x="4680200" y="1234050"/>
-            <a:ext cx="4169700" cy="3334800"/>
+            <a:ext cx="3999900" cy="3334800"/>
           </a:xfrm>
           <a:prstGeom prst="rect">
             <a:avLst/>
@@ -12874,11 +13151,7 @@
             </a:pPr>
             <a:r>
               <a:rPr b="1" lang="it" sz="1700"/>
-              <a:t>Game </a:t>
-            </a:r>
-            <a:r>
-              <a:rPr b="1" lang="it" sz="1700"/>
-              <a:t>Service Development (Collection)</a:t>
+              <a:t>Game Service Development </a:t>
             </a:r>
             <a:endParaRPr b="1" sz="1700"/>
           </a:p>
@@ -12896,9 +13169,28 @@
               <a:buNone/>
             </a:pPr>
             <a:r>
+              <a:rPr b="1" lang="it" sz="1700"/>
+              <a:t>(Statistics)</a:t>
+            </a:r>
+            <a:endParaRPr sz="1700"/>
+          </a:p>
+          <a:p>
+            <a:pPr indent="0" lvl="0" marL="0" rtl="0" algn="l">
+              <a:lnSpc>
+                <a:spcPct val="115000"/>
+              </a:lnSpc>
+              <a:spcBef>
+                <a:spcPts val="0"/>
+              </a:spcBef>
+              <a:spcAft>
+                <a:spcPts val="0"/>
+              </a:spcAft>
+              <a:buNone/>
+            </a:pPr>
+            <a:r>
               <a:t/>
             </a:r>
-            <a:endParaRPr b="1" sz="1700"/>
+            <a:endParaRPr sz="1700"/>
           </a:p>
           <a:p>
             <a:pPr indent="0" lvl="0" marL="0" rtl="0" algn="l">
@@ -12935,7 +13227,7 @@
             </a:pPr>
             <a:r>
               <a:rPr lang="it" sz="1700"/>
-              <a:t>DB configuration for Collection</a:t>
+              <a:t>DB configuration for Statistics</a:t>
             </a:r>
             <a:endParaRPr sz="1700"/>
           </a:p>
@@ -12955,7 +13247,7 @@
             </a:pPr>
             <a:r>
               <a:rPr lang="it" sz="1700"/>
-              <a:t>Extending Game microservice (monster collection)</a:t>
+              <a:t>Extending Game microservice (statistics)</a:t>
             </a:r>
             <a:endParaRPr sz="1700"/>
           </a:p>
@@ -12975,7 +13267,7 @@
             </a:pPr>
             <a:r>
               <a:rPr lang="it" sz="1700"/>
-              <a:t>Collection page</a:t>
+              <a:t>Statistics view</a:t>
             </a:r>
             <a:endParaRPr sz="1700"/>
           </a:p>
@@ -12983,7 +13275,7 @@
       </p:sp>
       <p:sp>
         <p:nvSpPr>
-          <p:cNvPr id="228" name="Google Shape;228;p38"/>
+          <p:cNvPr id="232" name="Google Shape;232;p38"/>
           <p:cNvSpPr txBox="1"/>
           <p:nvPr/>
         </p:nvSpPr>
@@ -13028,7 +13320,7 @@
                 <a:cs typeface="Oswald"/>
                 <a:sym typeface="Oswald"/>
               </a:rPr>
-              <a:t>SPRINT 6</a:t>
+              <a:t>SPRINT 8</a:t>
             </a:r>
             <a:endParaRPr sz="1100"/>
           </a:p>
@@ -13047,7 +13339,7 @@
   <p:cSld>
     <p:spTree>
       <p:nvGrpSpPr>
-        <p:cNvPr id="232" name="Shape 232"/>
+        <p:cNvPr id="236" name="Shape 236"/>
         <p:cNvGrpSpPr/>
         <p:nvPr/>
       </p:nvGrpSpPr>
@@ -13061,7 +13353,7 @@
       </p:grpSpPr>
       <p:sp>
         <p:nvSpPr>
-          <p:cNvPr id="233" name="Google Shape;233;p39"/>
+          <p:cNvPr id="237" name="Google Shape;237;p39"/>
           <p:cNvSpPr txBox="1"/>
           <p:nvPr>
             <p:ph type="title"/>
@@ -13070,7 +13362,7 @@
         <p:spPr>
           <a:xfrm>
             <a:off x="311700" y="445025"/>
-            <a:ext cx="4045200" cy="572700"/>
+            <a:ext cx="8520600" cy="572700"/>
           </a:xfrm>
           <a:prstGeom prst="rect">
             <a:avLst/>
@@ -13093,321 +13385,195 @@
             </a:pPr>
             <a:r>
               <a:rPr lang="it"/>
-              <a:t>SPRINT 7</a:t>
+              <a:t>Burndown Chart</a:t>
+            </a:r>
+            <a:endParaRPr/>
+          </a:p>
+          <a:p>
+            <a:pPr indent="0" lvl="0" marL="0" rtl="0" algn="l">
+              <a:spcBef>
+                <a:spcPts val="0"/>
+              </a:spcBef>
+              <a:spcAft>
+                <a:spcPts val="0"/>
+              </a:spcAft>
+              <a:buNone/>
+            </a:pPr>
+            <a:r>
+              <a:t/>
+            </a:r>
+            <a:endParaRPr/>
+          </a:p>
+          <a:p>
+            <a:pPr indent="0" lvl="0" marL="0" rtl="0" algn="l">
+              <a:spcBef>
+                <a:spcPts val="0"/>
+              </a:spcBef>
+              <a:spcAft>
+                <a:spcPts val="0"/>
+              </a:spcAft>
+              <a:buNone/>
+            </a:pPr>
+            <a:r>
+              <a:t/>
+            </a:r>
+            <a:endParaRPr/>
+          </a:p>
+          <a:p>
+            <a:pPr indent="0" lvl="0" marL="0" rtl="0" algn="l">
+              <a:spcBef>
+                <a:spcPts val="0"/>
+              </a:spcBef>
+              <a:spcAft>
+                <a:spcPts val="0"/>
+              </a:spcAft>
+              <a:buNone/>
+            </a:pPr>
+            <a:r>
+              <a:t/>
+            </a:r>
+            <a:endParaRPr/>
+          </a:p>
+          <a:p>
+            <a:pPr indent="0" lvl="0" marL="0" rtl="0" algn="l">
+              <a:spcBef>
+                <a:spcPts val="0"/>
+              </a:spcBef>
+              <a:spcAft>
+                <a:spcPts val="0"/>
+              </a:spcAft>
+              <a:buNone/>
+            </a:pPr>
+            <a:r>
+              <a:t/>
+            </a:r>
+            <a:endParaRPr/>
+          </a:p>
+          <a:p>
+            <a:pPr indent="0" lvl="0" marL="0" rtl="0" algn="l">
+              <a:spcBef>
+                <a:spcPts val="0"/>
+              </a:spcBef>
+              <a:spcAft>
+                <a:spcPts val="0"/>
+              </a:spcAft>
+              <a:buNone/>
+            </a:pPr>
+            <a:r>
+              <a:t/>
+            </a:r>
+            <a:endParaRPr/>
+          </a:p>
+          <a:p>
+            <a:pPr indent="0" lvl="0" marL="0" rtl="0" algn="l">
+              <a:spcBef>
+                <a:spcPts val="0"/>
+              </a:spcBef>
+              <a:spcAft>
+                <a:spcPts val="0"/>
+              </a:spcAft>
+              <a:buNone/>
+            </a:pPr>
+            <a:r>
+              <a:t/>
+            </a:r>
+            <a:endParaRPr/>
+          </a:p>
+          <a:p>
+            <a:pPr indent="0" lvl="0" marL="0" rtl="0" algn="l">
+              <a:spcBef>
+                <a:spcPts val="0"/>
+              </a:spcBef>
+              <a:spcAft>
+                <a:spcPts val="0"/>
+              </a:spcAft>
+              <a:buNone/>
+            </a:pPr>
+            <a:r>
+              <a:t/>
+            </a:r>
+            <a:endParaRPr/>
+          </a:p>
+          <a:p>
+            <a:pPr indent="0" lvl="0" marL="0" rtl="0" algn="l">
+              <a:spcBef>
+                <a:spcPts val="0"/>
+              </a:spcBef>
+              <a:spcAft>
+                <a:spcPts val="0"/>
+              </a:spcAft>
+              <a:buNone/>
+            </a:pPr>
+            <a:r>
+              <a:t/>
+            </a:r>
+            <a:endParaRPr/>
+          </a:p>
+          <a:p>
+            <a:pPr indent="0" lvl="0" marL="0" rtl="0" algn="l">
+              <a:spcBef>
+                <a:spcPts val="0"/>
+              </a:spcBef>
+              <a:spcAft>
+                <a:spcPts val="0"/>
+              </a:spcAft>
+              <a:buNone/>
+            </a:pPr>
+            <a:r>
+              <a:t/>
+            </a:r>
+            <a:endParaRPr/>
+          </a:p>
+          <a:p>
+            <a:pPr indent="0" lvl="0" marL="0" rtl="0" algn="l">
+              <a:spcBef>
+                <a:spcPts val="0"/>
+              </a:spcBef>
+              <a:spcAft>
+                <a:spcPts val="0"/>
+              </a:spcAft>
+              <a:buNone/>
+            </a:pPr>
+            <a:r>
+              <a:t/>
+            </a:r>
+            <a:endParaRPr/>
+          </a:p>
+          <a:p>
+            <a:pPr indent="0" lvl="0" marL="0" rtl="0" algn="l">
+              <a:spcBef>
+                <a:spcPts val="0"/>
+              </a:spcBef>
+              <a:spcAft>
+                <a:spcPts val="0"/>
+              </a:spcAft>
+              <a:buNone/>
+            </a:pPr>
+            <a:r>
+              <a:rPr lang="it"/>
+              <a:t> </a:t>
             </a:r>
             <a:endParaRPr/>
           </a:p>
         </p:txBody>
       </p:sp>
-      <p:sp>
-        <p:nvSpPr>
-          <p:cNvPr id="234" name="Google Shape;234;p39"/>
-          <p:cNvSpPr txBox="1"/>
-          <p:nvPr>
-            <p:ph idx="1" type="body"/>
-          </p:nvPr>
-        </p:nvSpPr>
-        <p:spPr>
-          <a:xfrm>
-            <a:off x="311700" y="1234050"/>
-            <a:ext cx="3999900" cy="3334800"/>
-          </a:xfrm>
-          <a:prstGeom prst="rect">
-            <a:avLst/>
-          </a:prstGeom>
-        </p:spPr>
-        <p:txBody>
-          <a:bodyPr anchorCtr="0" anchor="t" bIns="91425" lIns="91425" spcFirstLastPara="1" rIns="91425" wrap="square" tIns="91425">
-            <a:normAutofit/>
-          </a:bodyPr>
-          <a:lstStyle/>
-          <a:p>
-            <a:pPr indent="0" lvl="0" marL="0" rtl="0" algn="l">
-              <a:lnSpc>
-                <a:spcPct val="115000"/>
-              </a:lnSpc>
-              <a:spcBef>
-                <a:spcPts val="0"/>
-              </a:spcBef>
-              <a:spcAft>
-                <a:spcPts val="0"/>
-              </a:spcAft>
-              <a:buNone/>
-            </a:pPr>
-            <a:r>
-              <a:rPr b="1" lang="it" sz="1700"/>
-              <a:t>Game Service Development (Inventory)</a:t>
-            </a:r>
-            <a:endParaRPr b="1" sz="1700"/>
-          </a:p>
-          <a:p>
-            <a:pPr indent="0" lvl="0" marL="0" rtl="0" algn="l">
-              <a:lnSpc>
-                <a:spcPct val="115000"/>
-              </a:lnSpc>
-              <a:spcBef>
-                <a:spcPts val="0"/>
-              </a:spcBef>
-              <a:spcAft>
-                <a:spcPts val="0"/>
-              </a:spcAft>
-              <a:buNone/>
-            </a:pPr>
-            <a:r>
-              <a:t/>
-            </a:r>
-            <a:endParaRPr b="1" sz="1700"/>
-          </a:p>
-          <a:p>
-            <a:pPr indent="0" lvl="0" marL="0" rtl="0" algn="l">
-              <a:lnSpc>
-                <a:spcPct val="115000"/>
-              </a:lnSpc>
-              <a:spcBef>
-                <a:spcPts val="0"/>
-              </a:spcBef>
-              <a:spcAft>
-                <a:spcPts val="0"/>
-              </a:spcAft>
-              <a:buNone/>
-            </a:pPr>
-            <a:r>
-              <a:rPr lang="it" sz="1700"/>
-              <a:t>Key tasks:</a:t>
-            </a:r>
-            <a:endParaRPr sz="1700"/>
-          </a:p>
-          <a:p>
-            <a:pPr indent="-336550" lvl="0" marL="457200" rtl="0" algn="l">
-              <a:lnSpc>
-                <a:spcPct val="115000"/>
-              </a:lnSpc>
-              <a:spcBef>
-                <a:spcPts val="1200"/>
-              </a:spcBef>
-              <a:spcAft>
-                <a:spcPts val="0"/>
-              </a:spcAft>
-              <a:buSzPts val="1700"/>
-              <a:buChar char="●"/>
-            </a:pPr>
-            <a:r>
-              <a:rPr lang="it" sz="1700"/>
-              <a:t>DB configuration for Inventory</a:t>
-            </a:r>
-            <a:endParaRPr sz="1700"/>
-          </a:p>
-          <a:p>
-            <a:pPr indent="-336550" lvl="0" marL="457200" rtl="0" algn="l">
-              <a:lnSpc>
-                <a:spcPct val="115000"/>
-              </a:lnSpc>
-              <a:spcBef>
-                <a:spcPts val="0"/>
-              </a:spcBef>
-              <a:spcAft>
-                <a:spcPts val="0"/>
-              </a:spcAft>
-              <a:buSzPts val="1700"/>
-              <a:buChar char="●"/>
-            </a:pPr>
-            <a:r>
-              <a:rPr lang="it" sz="1700"/>
-              <a:t>Extending Game microservice (inventory)</a:t>
-            </a:r>
-            <a:endParaRPr sz="1700"/>
-          </a:p>
-          <a:p>
-            <a:pPr indent="-336550" lvl="0" marL="457200" rtl="0" algn="l">
-              <a:lnSpc>
-                <a:spcPct val="115000"/>
-              </a:lnSpc>
-              <a:spcBef>
-                <a:spcPts val="0"/>
-              </a:spcBef>
-              <a:spcAft>
-                <a:spcPts val="0"/>
-              </a:spcAft>
-              <a:buSzPts val="1700"/>
-              <a:buChar char="●"/>
-            </a:pPr>
-            <a:r>
-              <a:rPr lang="it" sz="1700"/>
-              <a:t>Inventory page</a:t>
-            </a:r>
-            <a:endParaRPr sz="1700"/>
-          </a:p>
-        </p:txBody>
-      </p:sp>
-      <p:sp>
-        <p:nvSpPr>
-          <p:cNvPr id="235" name="Google Shape;235;p39"/>
-          <p:cNvSpPr txBox="1"/>
-          <p:nvPr>
-            <p:ph idx="2" type="body"/>
-          </p:nvPr>
-        </p:nvSpPr>
-        <p:spPr>
-          <a:xfrm>
-            <a:off x="4680200" y="1234050"/>
-            <a:ext cx="3999900" cy="3334800"/>
-          </a:xfrm>
-          <a:prstGeom prst="rect">
-            <a:avLst/>
-          </a:prstGeom>
-        </p:spPr>
-        <p:txBody>
-          <a:bodyPr anchorCtr="0" anchor="t" bIns="91425" lIns="91425" spcFirstLastPara="1" rIns="91425" wrap="square" tIns="91425">
-            <a:normAutofit/>
-          </a:bodyPr>
-          <a:lstStyle/>
-          <a:p>
-            <a:pPr indent="0" lvl="0" marL="0" rtl="0" algn="l">
-              <a:lnSpc>
-                <a:spcPct val="115000"/>
-              </a:lnSpc>
-              <a:spcBef>
-                <a:spcPts val="0"/>
-              </a:spcBef>
-              <a:spcAft>
-                <a:spcPts val="0"/>
-              </a:spcAft>
-              <a:buNone/>
-            </a:pPr>
-            <a:r>
-              <a:rPr b="1" lang="it" sz="1700"/>
-              <a:t>Game Service Development </a:t>
-            </a:r>
-            <a:endParaRPr b="1" sz="1700"/>
-          </a:p>
-          <a:p>
-            <a:pPr indent="0" lvl="0" marL="0" rtl="0" algn="l">
-              <a:lnSpc>
-                <a:spcPct val="115000"/>
-              </a:lnSpc>
-              <a:spcBef>
-                <a:spcPts val="0"/>
-              </a:spcBef>
-              <a:spcAft>
-                <a:spcPts val="0"/>
-              </a:spcAft>
-              <a:buNone/>
-            </a:pPr>
-            <a:r>
-              <a:rPr b="1" lang="it" sz="1700"/>
-              <a:t>(Statistics)</a:t>
-            </a:r>
-            <a:endParaRPr sz="1700"/>
-          </a:p>
-          <a:p>
-            <a:pPr indent="0" lvl="0" marL="0" rtl="0" algn="l">
-              <a:lnSpc>
-                <a:spcPct val="115000"/>
-              </a:lnSpc>
-              <a:spcBef>
-                <a:spcPts val="0"/>
-              </a:spcBef>
-              <a:spcAft>
-                <a:spcPts val="0"/>
-              </a:spcAft>
-              <a:buNone/>
-            </a:pPr>
-            <a:r>
-              <a:t/>
-            </a:r>
-            <a:endParaRPr sz="1700"/>
-          </a:p>
-          <a:p>
-            <a:pPr indent="0" lvl="0" marL="0" rtl="0" algn="l">
-              <a:lnSpc>
-                <a:spcPct val="115000"/>
-              </a:lnSpc>
-              <a:spcBef>
-                <a:spcPts val="0"/>
-              </a:spcBef>
-              <a:spcAft>
-                <a:spcPts val="0"/>
-              </a:spcAft>
-              <a:buNone/>
-            </a:pPr>
-            <a:r>
-              <a:rPr lang="it" sz="1700"/>
-              <a:t>Key tasks:</a:t>
-            </a:r>
-            <a:endParaRPr sz="1700"/>
-          </a:p>
-          <a:p>
-            <a:pPr indent="-336550" lvl="0" marL="457200" rtl="0" algn="l">
-              <a:lnSpc>
-                <a:spcPct val="115000"/>
-              </a:lnSpc>
-              <a:spcBef>
-                <a:spcPts val="1200"/>
-              </a:spcBef>
-              <a:spcAft>
-                <a:spcPts val="0"/>
-              </a:spcAft>
-              <a:buSzPts val="1700"/>
-              <a:buChar char="●"/>
-            </a:pPr>
-            <a:r>
-              <a:rPr lang="it" sz="1700"/>
-              <a:t>DB configuration for Statistics</a:t>
-            </a:r>
-            <a:endParaRPr sz="1700"/>
-          </a:p>
-          <a:p>
-            <a:pPr indent="-336550" lvl="0" marL="457200" rtl="0" algn="l">
-              <a:lnSpc>
-                <a:spcPct val="115000"/>
-              </a:lnSpc>
-              <a:spcBef>
-                <a:spcPts val="0"/>
-              </a:spcBef>
-              <a:spcAft>
-                <a:spcPts val="0"/>
-              </a:spcAft>
-              <a:buSzPts val="1700"/>
-              <a:buChar char="●"/>
-            </a:pPr>
-            <a:r>
-              <a:rPr lang="it" sz="1700"/>
-              <a:t>Extending Game microservice (statistics)</a:t>
-            </a:r>
-            <a:endParaRPr sz="1700"/>
-          </a:p>
-          <a:p>
-            <a:pPr indent="-336550" lvl="0" marL="457200" rtl="0" algn="l">
-              <a:lnSpc>
-                <a:spcPct val="115000"/>
-              </a:lnSpc>
-              <a:spcBef>
-                <a:spcPts val="0"/>
-              </a:spcBef>
-              <a:spcAft>
-                <a:spcPts val="0"/>
-              </a:spcAft>
-              <a:buSzPts val="1700"/>
-              <a:buChar char="●"/>
-            </a:pPr>
-            <a:r>
-              <a:rPr lang="it" sz="1700"/>
-              <a:t>Statistics view</a:t>
-            </a:r>
-            <a:endParaRPr sz="1700"/>
-          </a:p>
-        </p:txBody>
-      </p:sp>
-      <p:sp>
-        <p:nvSpPr>
-          <p:cNvPr id="236" name="Google Shape;236;p39"/>
-          <p:cNvSpPr txBox="1"/>
+      <p:pic>
+        <p:nvPicPr>
+          <p:cNvPr id="238" name="Google Shape;238;p39" title="Picture1.png"/>
+          <p:cNvPicPr preferRelativeResize="0"/>
           <p:nvPr/>
-        </p:nvSpPr>
-        <p:spPr>
-          <a:xfrm>
-            <a:off x="4617375" y="431225"/>
-            <a:ext cx="3000000" cy="600300"/>
+        </p:nvPicPr>
+        <p:blipFill rotWithShape="1">
+          <a:blip r:embed="rId3">
+            <a:alphaModFix/>
+          </a:blip>
+          <a:srcRect b="7014" l="0" r="0" t="7023"/>
+          <a:stretch/>
+        </p:blipFill>
+        <p:spPr>
+          <a:xfrm>
+            <a:off x="452700" y="1073575"/>
+            <a:ext cx="8238602" cy="3862550"/>
           </a:xfrm>
           <a:prstGeom prst="rect">
             <a:avLst/>
@@ -13417,40 +13583,7 @@
             <a:noFill/>
           </a:ln>
         </p:spPr>
-        <p:txBody>
-          <a:bodyPr anchorCtr="0" anchor="t" bIns="91425" lIns="91425" spcFirstLastPara="1" rIns="91425" wrap="square" tIns="91425">
-            <a:spAutoFit/>
-          </a:bodyPr>
-          <a:lstStyle/>
-          <a:p>
-            <a:pPr indent="0" lvl="0" marL="0" rtl="0" algn="l">
-              <a:spcBef>
-                <a:spcPts val="0"/>
-              </a:spcBef>
-              <a:spcAft>
-                <a:spcPts val="0"/>
-              </a:spcAft>
-              <a:buNone/>
-            </a:pPr>
-            <a:r>
-              <a:rPr lang="it" sz="2700">
-                <a:solidFill>
-                  <a:schemeClr val="dk2"/>
-                </a:solidFill>
-                <a:highlight>
-                  <a:schemeClr val="dk1"/>
-                </a:highlight>
-                <a:latin typeface="Oswald"/>
-                <a:ea typeface="Oswald"/>
-                <a:cs typeface="Oswald"/>
-                <a:sym typeface="Oswald"/>
-              </a:rPr>
-              <a:t>SPRINT 8</a:t>
-            </a:r>
-            <a:endParaRPr sz="1100"/>
-          </a:p>
-        </p:txBody>
-      </p:sp>
+      </p:pic>
     </p:spTree>
   </p:cSld>
   <p:clrMapOvr>
@@ -13464,7 +13597,7 @@
   <p:cSld>
     <p:spTree>
       <p:nvGrpSpPr>
-        <p:cNvPr id="240" name="Shape 240"/>
+        <p:cNvPr id="242" name="Shape 242"/>
         <p:cNvGrpSpPr/>
         <p:nvPr/>
       </p:nvGrpSpPr>
@@ -13478,265 +13611,7 @@
       </p:grpSpPr>
       <p:sp>
         <p:nvSpPr>
-          <p:cNvPr id="241" name="Google Shape;241;p40"/>
-          <p:cNvSpPr txBox="1"/>
-          <p:nvPr>
-            <p:ph type="title"/>
-          </p:nvPr>
-        </p:nvSpPr>
-        <p:spPr>
-          <a:xfrm>
-            <a:off x="311700" y="445025"/>
-            <a:ext cx="8520600" cy="572700"/>
-          </a:xfrm>
-          <a:prstGeom prst="rect">
-            <a:avLst/>
-          </a:prstGeom>
-        </p:spPr>
-        <p:txBody>
-          <a:bodyPr anchorCtr="0" anchor="t" bIns="91425" lIns="91425" spcFirstLastPara="1" rIns="91425" wrap="square" tIns="91425">
-            <a:normAutofit fontScale="90000"/>
-          </a:bodyPr>
-          <a:lstStyle/>
-          <a:p>
-            <a:pPr indent="0" lvl="0" marL="0" rtl="0" algn="l">
-              <a:spcBef>
-                <a:spcPts val="0"/>
-              </a:spcBef>
-              <a:spcAft>
-                <a:spcPts val="0"/>
-              </a:spcAft>
-              <a:buNone/>
-            </a:pPr>
-            <a:r>
-              <a:rPr lang="it"/>
-              <a:t>Burndown Chart</a:t>
-            </a:r>
-            <a:endParaRPr/>
-          </a:p>
-          <a:p>
-            <a:pPr indent="0" lvl="0" marL="0" rtl="0" algn="l">
-              <a:spcBef>
-                <a:spcPts val="0"/>
-              </a:spcBef>
-              <a:spcAft>
-                <a:spcPts val="0"/>
-              </a:spcAft>
-              <a:buNone/>
-            </a:pPr>
-            <a:r>
-              <a:t/>
-            </a:r>
-            <a:endParaRPr/>
-          </a:p>
-          <a:p>
-            <a:pPr indent="0" lvl="0" marL="0" rtl="0" algn="l">
-              <a:spcBef>
-                <a:spcPts val="0"/>
-              </a:spcBef>
-              <a:spcAft>
-                <a:spcPts val="0"/>
-              </a:spcAft>
-              <a:buNone/>
-            </a:pPr>
-            <a:r>
-              <a:t/>
-            </a:r>
-            <a:endParaRPr/>
-          </a:p>
-          <a:p>
-            <a:pPr indent="0" lvl="0" marL="0" rtl="0" algn="l">
-              <a:spcBef>
-                <a:spcPts val="0"/>
-              </a:spcBef>
-              <a:spcAft>
-                <a:spcPts val="0"/>
-              </a:spcAft>
-              <a:buNone/>
-            </a:pPr>
-            <a:r>
-              <a:t/>
-            </a:r>
-            <a:endParaRPr/>
-          </a:p>
-          <a:p>
-            <a:pPr indent="0" lvl="0" marL="0" rtl="0" algn="l">
-              <a:spcBef>
-                <a:spcPts val="0"/>
-              </a:spcBef>
-              <a:spcAft>
-                <a:spcPts val="0"/>
-              </a:spcAft>
-              <a:buNone/>
-            </a:pPr>
-            <a:r>
-              <a:t/>
-            </a:r>
-            <a:endParaRPr/>
-          </a:p>
-          <a:p>
-            <a:pPr indent="0" lvl="0" marL="0" rtl="0" algn="l">
-              <a:spcBef>
-                <a:spcPts val="0"/>
-              </a:spcBef>
-              <a:spcAft>
-                <a:spcPts val="0"/>
-              </a:spcAft>
-              <a:buNone/>
-            </a:pPr>
-            <a:r>
-              <a:t/>
-            </a:r>
-            <a:endParaRPr/>
-          </a:p>
-          <a:p>
-            <a:pPr indent="0" lvl="0" marL="0" rtl="0" algn="l">
-              <a:spcBef>
-                <a:spcPts val="0"/>
-              </a:spcBef>
-              <a:spcAft>
-                <a:spcPts val="0"/>
-              </a:spcAft>
-              <a:buNone/>
-            </a:pPr>
-            <a:r>
-              <a:t/>
-            </a:r>
-            <a:endParaRPr/>
-          </a:p>
-          <a:p>
-            <a:pPr indent="0" lvl="0" marL="0" rtl="0" algn="l">
-              <a:spcBef>
-                <a:spcPts val="0"/>
-              </a:spcBef>
-              <a:spcAft>
-                <a:spcPts val="0"/>
-              </a:spcAft>
-              <a:buNone/>
-            </a:pPr>
-            <a:r>
-              <a:t/>
-            </a:r>
-            <a:endParaRPr/>
-          </a:p>
-          <a:p>
-            <a:pPr indent="0" lvl="0" marL="0" rtl="0" algn="l">
-              <a:spcBef>
-                <a:spcPts val="0"/>
-              </a:spcBef>
-              <a:spcAft>
-                <a:spcPts val="0"/>
-              </a:spcAft>
-              <a:buNone/>
-            </a:pPr>
-            <a:r>
-              <a:t/>
-            </a:r>
-            <a:endParaRPr/>
-          </a:p>
-          <a:p>
-            <a:pPr indent="0" lvl="0" marL="0" rtl="0" algn="l">
-              <a:spcBef>
-                <a:spcPts val="0"/>
-              </a:spcBef>
-              <a:spcAft>
-                <a:spcPts val="0"/>
-              </a:spcAft>
-              <a:buNone/>
-            </a:pPr>
-            <a:r>
-              <a:t/>
-            </a:r>
-            <a:endParaRPr/>
-          </a:p>
-          <a:p>
-            <a:pPr indent="0" lvl="0" marL="0" rtl="0" algn="l">
-              <a:spcBef>
-                <a:spcPts val="0"/>
-              </a:spcBef>
-              <a:spcAft>
-                <a:spcPts val="0"/>
-              </a:spcAft>
-              <a:buNone/>
-            </a:pPr>
-            <a:r>
-              <a:t/>
-            </a:r>
-            <a:endParaRPr/>
-          </a:p>
-          <a:p>
-            <a:pPr indent="0" lvl="0" marL="0" rtl="0" algn="l">
-              <a:spcBef>
-                <a:spcPts val="0"/>
-              </a:spcBef>
-              <a:spcAft>
-                <a:spcPts val="0"/>
-              </a:spcAft>
-              <a:buNone/>
-            </a:pPr>
-            <a:r>
-              <a:rPr lang="it"/>
-              <a:t> </a:t>
-            </a:r>
-            <a:endParaRPr/>
-          </a:p>
-        </p:txBody>
-      </p:sp>
-      <p:pic>
-        <p:nvPicPr>
-          <p:cNvPr id="242" name="Google Shape;242;p40" title="Picture1.png"/>
-          <p:cNvPicPr preferRelativeResize="0"/>
-          <p:nvPr/>
-        </p:nvPicPr>
-        <p:blipFill rotWithShape="1">
-          <a:blip r:embed="rId3">
-            <a:alphaModFix/>
-          </a:blip>
-          <a:srcRect b="7014" l="0" r="0" t="7023"/>
-          <a:stretch/>
-        </p:blipFill>
-        <p:spPr>
-          <a:xfrm>
-            <a:off x="452700" y="1073575"/>
-            <a:ext cx="8238602" cy="3862550"/>
-          </a:xfrm>
-          <a:prstGeom prst="rect">
-            <a:avLst/>
-          </a:prstGeom>
-          <a:noFill/>
-          <a:ln>
-            <a:noFill/>
-          </a:ln>
-        </p:spPr>
-      </p:pic>
-    </p:spTree>
-  </p:cSld>
-  <p:clrMapOvr>
-    <a:masterClrMapping/>
-  </p:clrMapOvr>
-</p:sld>
-</file>
-
-<file path=ppt/slides/slide29.xml><?xml version="1.0" encoding="utf-8"?>
-<p:sld xmlns:a="http://schemas.openxmlformats.org/drawingml/2006/main" xmlns:r="http://schemas.openxmlformats.org/officeDocument/2006/relationships" xmlns:mc="http://schemas.openxmlformats.org/markup-compatibility/2006" xmlns:mv="urn:schemas-microsoft-com:mac:vml" xmlns:p="http://schemas.openxmlformats.org/presentationml/2006/main" xmlns:c="http://schemas.openxmlformats.org/drawingml/2006/chart" xmlns:dgm="http://schemas.openxmlformats.org/drawingml/2006/diagram" xmlns:o="urn:schemas-microsoft-com:office:office" xmlns:v="urn:schemas-microsoft-com:vml" xmlns:pvml="urn:schemas-microsoft-com:office:powerpoint" xmlns:com="http://schemas.openxmlformats.org/drawingml/2006/compatibility" xmlns:p14="http://schemas.microsoft.com/office/powerpoint/2010/main" xmlns:p15="http://schemas.microsoft.com/office/powerpoint/2012/main" xmlns:ahyp="http://schemas.microsoft.com/office/drawing/2018/hyperlinkcolor">
-  <p:cSld>
-    <p:spTree>
-      <p:nvGrpSpPr>
-        <p:cNvPr id="246" name="Shape 246"/>
-        <p:cNvGrpSpPr/>
-        <p:nvPr/>
-      </p:nvGrpSpPr>
-      <p:grpSpPr>
-        <a:xfrm>
-          <a:off x="0" y="0"/>
-          <a:ext cx="0" cy="0"/>
-          <a:chOff x="0" y="0"/>
-          <a:chExt cx="0" cy="0"/>
-        </a:xfrm>
-      </p:grpSpPr>
-      <p:sp>
-        <p:nvSpPr>
-          <p:cNvPr id="247" name="Google Shape;247;p41"/>
+          <p:cNvPr id="243" name="Google Shape;243;p40"/>
           <p:cNvSpPr txBox="1"/>
           <p:nvPr>
             <p:ph type="title"/>
@@ -15316,6 +15191,285 @@
 </file>
 
 <file path=ppt/theme/theme1.xml><?xml version="1.0" encoding="utf-8"?>
+<a:theme xmlns:a="http://schemas.openxmlformats.org/drawingml/2006/main" xmlns:r="http://schemas.openxmlformats.org/officeDocument/2006/relationships" name="Pop">
+  <a:themeElements>
+    <a:clrScheme name="Pop">
+      <a:dk1>
+        <a:srgbClr val="F8E71C"/>
+      </a:dk1>
+      <a:lt1>
+        <a:srgbClr val="FFFFFF"/>
+      </a:lt1>
+      <a:dk2>
+        <a:srgbClr val="000000"/>
+      </a:dk2>
+      <a:lt2>
+        <a:srgbClr val="D9D9D9"/>
+      </a:lt2>
+      <a:accent1>
+        <a:srgbClr val="666666"/>
+      </a:accent1>
+      <a:accent2>
+        <a:srgbClr val="483165"/>
+      </a:accent2>
+      <a:accent3>
+        <a:srgbClr val="EB1E95"/>
+      </a:accent3>
+      <a:accent4>
+        <a:srgbClr val="01AFD1"/>
+      </a:accent4>
+      <a:accent5>
+        <a:srgbClr val="0F9D58"/>
+      </a:accent5>
+      <a:accent6>
+        <a:srgbClr val="9C27B0"/>
+      </a:accent6>
+      <a:hlink>
+        <a:srgbClr val="0F9D58"/>
+      </a:hlink>
+      <a:folHlink>
+        <a:srgbClr val="0F9D58"/>
+      </a:folHlink>
+    </a:clrScheme>
+    <a:fontScheme name="Office">
+      <a:majorFont>
+        <a:latin typeface="Arial"/>
+        <a:ea typeface=""/>
+        <a:cs typeface=""/>
+        <a:font script="Jpan" typeface="ＭＳ Ｐゴシック"/>
+        <a:font script="Hang" typeface="맑은 고딕"/>
+        <a:font script="Hans" typeface="宋体"/>
+        <a:font script="Hant" typeface="新細明體"/>
+        <a:font script="Arab" typeface="Times New Roman"/>
+        <a:font script="Hebr" typeface="Times New Roman"/>
+        <a:font script="Thai" typeface="Angsana New"/>
+        <a:font script="Ethi" typeface="Nyala"/>
+        <a:font script="Beng" typeface="Vrinda"/>
+        <a:font script="Gujr" typeface="Shruti"/>
+        <a:font script="Khmr" typeface="MoolBoran"/>
+        <a:font script="Knda" typeface="Tunga"/>
+        <a:font script="Guru" typeface="Raavi"/>
+        <a:font script="Cans" typeface="Euphemia"/>
+        <a:font script="Cher" typeface="Plantagenet Cherokee"/>
+        <a:font script="Yiii" typeface="Microsoft Yi Baiti"/>
+        <a:font script="Tibt" typeface="Microsoft Himalaya"/>
+        <a:font script="Thaa" typeface="MV Boli"/>
+        <a:font script="Deva" typeface="Mangal"/>
+        <a:font script="Telu" typeface="Gautami"/>
+        <a:font script="Taml" typeface="Latha"/>
+        <a:font script="Syrc" typeface="Estrangelo Edessa"/>
+        <a:font script="Orya" typeface="Kalinga"/>
+        <a:font script="Mlym" typeface="Kartika"/>
+        <a:font script="Laoo" typeface="DokChampa"/>
+        <a:font script="Sinh" typeface="Iskoola Pota"/>
+        <a:font script="Mong" typeface="Mongolian Baiti"/>
+        <a:font script="Viet" typeface="Times New Roman"/>
+        <a:font script="Uigh" typeface="Microsoft Uighur"/>
+        <a:font script="Geor" typeface="Sylfaen"/>
+      </a:majorFont>
+      <a:minorFont>
+        <a:latin typeface="Arial"/>
+        <a:ea typeface=""/>
+        <a:cs typeface=""/>
+        <a:font script="Jpan" typeface="ＭＳ Ｐゴシック"/>
+        <a:font script="Hang" typeface="맑은 고딕"/>
+        <a:font script="Hans" typeface="宋体"/>
+        <a:font script="Hant" typeface="新細明體"/>
+        <a:font script="Arab" typeface="Arial"/>
+        <a:font script="Hebr" typeface="Arial"/>
+        <a:font script="Thai" typeface="Cordia New"/>
+        <a:font script="Ethi" typeface="Nyala"/>
+        <a:font script="Beng" typeface="Vrinda"/>
+        <a:font script="Gujr" typeface="Shruti"/>
+        <a:font script="Khmr" typeface="DaunPenh"/>
+        <a:font script="Knda" typeface="Tunga"/>
+        <a:font script="Guru" typeface="Raavi"/>
+        <a:font script="Cans" typeface="Euphemia"/>
+        <a:font script="Cher" typeface="Plantagenet Cherokee"/>
+        <a:font script="Yiii" typeface="Microsoft Yi Baiti"/>
+        <a:font script="Tibt" typeface="Microsoft Himalaya"/>
+        <a:font script="Thaa" typeface="MV Boli"/>
+        <a:font script="Deva" typeface="Mangal"/>
+        <a:font script="Telu" typeface="Gautami"/>
+        <a:font script="Taml" typeface="Latha"/>
+        <a:font script="Syrc" typeface="Estrangelo Edessa"/>
+        <a:font script="Orya" typeface="Kalinga"/>
+        <a:font script="Mlym" typeface="Kartika"/>
+        <a:font script="Laoo" typeface="DokChampa"/>
+        <a:font script="Sinh" typeface="Iskoola Pota"/>
+        <a:font script="Mong" typeface="Mongolian Baiti"/>
+        <a:font script="Viet" typeface="Arial"/>
+        <a:font script="Uigh" typeface="Microsoft Uighur"/>
+        <a:font script="Geor" typeface="Sylfaen"/>
+      </a:minorFont>
+    </a:fontScheme>
+    <a:fmtScheme name="Office">
+      <a:fillStyleLst>
+        <a:solidFill>
+          <a:schemeClr val="phClr"/>
+        </a:solidFill>
+        <a:gradFill rotWithShape="1">
+          <a:gsLst>
+            <a:gs pos="0">
+              <a:schemeClr val="phClr">
+                <a:tint val="50000"/>
+                <a:satMod val="300000"/>
+              </a:schemeClr>
+            </a:gs>
+            <a:gs pos="35000">
+              <a:schemeClr val="phClr">
+                <a:tint val="37000"/>
+                <a:satMod val="300000"/>
+              </a:schemeClr>
+            </a:gs>
+            <a:gs pos="100000">
+              <a:schemeClr val="phClr">
+                <a:tint val="15000"/>
+                <a:satMod val="350000"/>
+              </a:schemeClr>
+            </a:gs>
+          </a:gsLst>
+          <a:lin ang="16200000" scaled="1"/>
+        </a:gradFill>
+        <a:gradFill rotWithShape="1">
+          <a:gsLst>
+            <a:gs pos="0">
+              <a:schemeClr val="phClr">
+                <a:tint val="100000"/>
+                <a:shade val="100000"/>
+                <a:satMod val="130000"/>
+              </a:schemeClr>
+            </a:gs>
+            <a:gs pos="100000">
+              <a:schemeClr val="phClr">
+                <a:tint val="50000"/>
+                <a:shade val="100000"/>
+                <a:satMod val="350000"/>
+              </a:schemeClr>
+            </a:gs>
+          </a:gsLst>
+          <a:lin ang="16200000" scaled="0"/>
+        </a:gradFill>
+      </a:fillStyleLst>
+      <a:lnStyleLst>
+        <a:ln w="9525" cap="flat" cmpd="sng" algn="ctr">
+          <a:solidFill>
+            <a:schemeClr val="phClr">
+              <a:shade val="95000"/>
+              <a:satMod val="105000"/>
+            </a:schemeClr>
+          </a:solidFill>
+          <a:prstDash val="solid"/>
+        </a:ln>
+        <a:ln w="25400" cap="flat" cmpd="sng" algn="ctr">
+          <a:solidFill>
+            <a:schemeClr val="phClr"/>
+          </a:solidFill>
+          <a:prstDash val="solid"/>
+        </a:ln>
+        <a:ln w="38100" cap="flat" cmpd="sng" algn="ctr">
+          <a:solidFill>
+            <a:schemeClr val="phClr"/>
+          </a:solidFill>
+          <a:prstDash val="solid"/>
+        </a:ln>
+      </a:lnStyleLst>
+      <a:effectStyleLst>
+        <a:effectStyle>
+          <a:effectLst>
+            <a:outerShdw blurRad="40000" dist="20000" dir="5400000" rotWithShape="0">
+              <a:srgbClr val="000000">
+                <a:alpha val="38000"/>
+              </a:srgbClr>
+            </a:outerShdw>
+          </a:effectLst>
+        </a:effectStyle>
+        <a:effectStyle>
+          <a:effectLst>
+            <a:outerShdw blurRad="40000" dist="23000" dir="5400000" rotWithShape="0">
+              <a:srgbClr val="000000">
+                <a:alpha val="35000"/>
+              </a:srgbClr>
+            </a:outerShdw>
+          </a:effectLst>
+        </a:effectStyle>
+        <a:effectStyle>
+          <a:effectLst>
+            <a:outerShdw blurRad="40000" dist="23000" dir="5400000" rotWithShape="0">
+              <a:srgbClr val="000000">
+                <a:alpha val="35000"/>
+              </a:srgbClr>
+            </a:outerShdw>
+          </a:effectLst>
+          <a:scene3d>
+            <a:camera prst="orthographicFront">
+              <a:rot lat="0" lon="0" rev="0"/>
+            </a:camera>
+            <a:lightRig rig="threePt" dir="t">
+              <a:rot lat="0" lon="0" rev="1200000"/>
+            </a:lightRig>
+          </a:scene3d>
+          <a:sp3d>
+            <a:bevelT w="63500" h="25400"/>
+          </a:sp3d>
+        </a:effectStyle>
+      </a:effectStyleLst>
+      <a:bgFillStyleLst>
+        <a:solidFill>
+          <a:schemeClr val="phClr"/>
+        </a:solidFill>
+        <a:gradFill rotWithShape="1">
+          <a:gsLst>
+            <a:gs pos="0">
+              <a:schemeClr val="phClr">
+                <a:tint val="40000"/>
+                <a:satMod val="350000"/>
+              </a:schemeClr>
+            </a:gs>
+            <a:gs pos="40000">
+              <a:schemeClr val="phClr">
+                <a:tint val="45000"/>
+                <a:shade val="99000"/>
+                <a:satMod val="350000"/>
+              </a:schemeClr>
+            </a:gs>
+            <a:gs pos="100000">
+              <a:schemeClr val="phClr">
+                <a:shade val="20000"/>
+                <a:satMod val="255000"/>
+              </a:schemeClr>
+            </a:gs>
+          </a:gsLst>
+          <a:path path="circle">
+            <a:fillToRect l="50000" t="-80000" r="50000" b="180000"/>
+          </a:path>
+        </a:gradFill>
+        <a:gradFill rotWithShape="1">
+          <a:gsLst>
+            <a:gs pos="0">
+              <a:schemeClr val="phClr">
+                <a:tint val="80000"/>
+                <a:satMod val="300000"/>
+              </a:schemeClr>
+            </a:gs>
+            <a:gs pos="100000">
+              <a:schemeClr val="phClr">
+                <a:shade val="30000"/>
+                <a:satMod val="200000"/>
+              </a:schemeClr>
+            </a:gs>
+          </a:gsLst>
+          <a:path path="circle">
+            <a:fillToRect l="50000" t="50000" r="50000" b="50000"/>
+          </a:path>
+        </a:gradFill>
+      </a:bgFillStyleLst>
+    </a:fmtScheme>
+  </a:themeElements>
+</a:theme>
+</file>
+
+<file path=ppt/theme/theme2.xml><?xml version="1.0" encoding="utf-8"?>
 <a:theme xmlns:a="http://schemas.openxmlformats.org/drawingml/2006/main" xmlns:r="http://schemas.openxmlformats.org/officeDocument/2006/relationships">
   <a:themeElements>
     <a:clrScheme name="Default">
@@ -15592,283 +15746,4 @@
     </a:fmtScheme>
   </a:themeElements>
 </a:theme>
-</file>
-
-<file path=ppt/theme/theme2.xml><?xml version="1.0" encoding="utf-8"?>
-<a:theme xmlns:a="http://schemas.openxmlformats.org/drawingml/2006/main" xmlns:r="http://schemas.openxmlformats.org/officeDocument/2006/relationships" name="Pop">
-  <a:themeElements>
-    <a:clrScheme name="Pop">
-      <a:dk1>
-        <a:srgbClr val="F8E71C"/>
-      </a:dk1>
-      <a:lt1>
-        <a:srgbClr val="FFFFFF"/>
-      </a:lt1>
-      <a:dk2>
-        <a:srgbClr val="000000"/>
-      </a:dk2>
-      <a:lt2>
-        <a:srgbClr val="D9D9D9"/>
-      </a:lt2>
-      <a:accent1>
-        <a:srgbClr val="666666"/>
-      </a:accent1>
-      <a:accent2>
-        <a:srgbClr val="483165"/>
-      </a:accent2>
-      <a:accent3>
-        <a:srgbClr val="EB1E95"/>
-      </a:accent3>
-      <a:accent4>
-        <a:srgbClr val="01AFD1"/>
-      </a:accent4>
-      <a:accent5>
-        <a:srgbClr val="0F9D58"/>
-      </a:accent5>
-      <a:accent6>
-        <a:srgbClr val="9C27B0"/>
-      </a:accent6>
-      <a:hlink>
-        <a:srgbClr val="0F9D58"/>
-      </a:hlink>
-      <a:folHlink>
-        <a:srgbClr val="0F9D58"/>
-      </a:folHlink>
-    </a:clrScheme>
-    <a:fontScheme name="Office">
-      <a:majorFont>
-        <a:latin typeface="Arial"/>
-        <a:ea typeface=""/>
-        <a:cs typeface=""/>
-        <a:font script="Jpan" typeface="ＭＳ Ｐゴシック"/>
-        <a:font script="Hang" typeface="맑은 고딕"/>
-        <a:font script="Hans" typeface="宋体"/>
-        <a:font script="Hant" typeface="新細明體"/>
-        <a:font script="Arab" typeface="Times New Roman"/>
-        <a:font script="Hebr" typeface="Times New Roman"/>
-        <a:font script="Thai" typeface="Angsana New"/>
-        <a:font script="Ethi" typeface="Nyala"/>
-        <a:font script="Beng" typeface="Vrinda"/>
-        <a:font script="Gujr" typeface="Shruti"/>
-        <a:font script="Khmr" typeface="MoolBoran"/>
-        <a:font script="Knda" typeface="Tunga"/>
-        <a:font script="Guru" typeface="Raavi"/>
-        <a:font script="Cans" typeface="Euphemia"/>
-        <a:font script="Cher" typeface="Plantagenet Cherokee"/>
-        <a:font script="Yiii" typeface="Microsoft Yi Baiti"/>
-        <a:font script="Tibt" typeface="Microsoft Himalaya"/>
-        <a:font script="Thaa" typeface="MV Boli"/>
-        <a:font script="Deva" typeface="Mangal"/>
-        <a:font script="Telu" typeface="Gautami"/>
-        <a:font script="Taml" typeface="Latha"/>
-        <a:font script="Syrc" typeface="Estrangelo Edessa"/>
-        <a:font script="Orya" typeface="Kalinga"/>
-        <a:font script="Mlym" typeface="Kartika"/>
-        <a:font script="Laoo" typeface="DokChampa"/>
-        <a:font script="Sinh" typeface="Iskoola Pota"/>
-        <a:font script="Mong" typeface="Mongolian Baiti"/>
-        <a:font script="Viet" typeface="Times New Roman"/>
-        <a:font script="Uigh" typeface="Microsoft Uighur"/>
-        <a:font script="Geor" typeface="Sylfaen"/>
-      </a:majorFont>
-      <a:minorFont>
-        <a:latin typeface="Arial"/>
-        <a:ea typeface=""/>
-        <a:cs typeface=""/>
-        <a:font script="Jpan" typeface="ＭＳ Ｐゴシック"/>
-        <a:font script="Hang" typeface="맑은 고딕"/>
-        <a:font script="Hans" typeface="宋体"/>
-        <a:font script="Hant" typeface="新細明體"/>
-        <a:font script="Arab" typeface="Arial"/>
-        <a:font script="Hebr" typeface="Arial"/>
-        <a:font script="Thai" typeface="Cordia New"/>
-        <a:font script="Ethi" typeface="Nyala"/>
-        <a:font script="Beng" typeface="Vrinda"/>
-        <a:font script="Gujr" typeface="Shruti"/>
-        <a:font script="Khmr" typeface="DaunPenh"/>
-        <a:font script="Knda" typeface="Tunga"/>
-        <a:font script="Guru" typeface="Raavi"/>
-        <a:font script="Cans" typeface="Euphemia"/>
-        <a:font script="Cher" typeface="Plantagenet Cherokee"/>
-        <a:font script="Yiii" typeface="Microsoft Yi Baiti"/>
-        <a:font script="Tibt" typeface="Microsoft Himalaya"/>
-        <a:font script="Thaa" typeface="MV Boli"/>
-        <a:font script="Deva" typeface="Mangal"/>
-        <a:font script="Telu" typeface="Gautami"/>
-        <a:font script="Taml" typeface="Latha"/>
-        <a:font script="Syrc" typeface="Estrangelo Edessa"/>
-        <a:font script="Orya" typeface="Kalinga"/>
-        <a:font script="Mlym" typeface="Kartika"/>
-        <a:font script="Laoo" typeface="DokChampa"/>
-        <a:font script="Sinh" typeface="Iskoola Pota"/>
-        <a:font script="Mong" typeface="Mongolian Baiti"/>
-        <a:font script="Viet" typeface="Arial"/>
-        <a:font script="Uigh" typeface="Microsoft Uighur"/>
-        <a:font script="Geor" typeface="Sylfaen"/>
-      </a:minorFont>
-    </a:fontScheme>
-    <a:fmtScheme name="Office">
-      <a:fillStyleLst>
-        <a:solidFill>
-          <a:schemeClr val="phClr"/>
-        </a:solidFill>
-        <a:gradFill rotWithShape="1">
-          <a:gsLst>
-            <a:gs pos="0">
-              <a:schemeClr val="phClr">
-                <a:tint val="50000"/>
-                <a:satMod val="300000"/>
-              </a:schemeClr>
-            </a:gs>
-            <a:gs pos="35000">
-              <a:schemeClr val="phClr">
-                <a:tint val="37000"/>
-                <a:satMod val="300000"/>
-              </a:schemeClr>
-            </a:gs>
-            <a:gs pos="100000">
-              <a:schemeClr val="phClr">
-                <a:tint val="15000"/>
-                <a:satMod val="350000"/>
-              </a:schemeClr>
-            </a:gs>
-          </a:gsLst>
-          <a:lin ang="16200000" scaled="1"/>
-        </a:gradFill>
-        <a:gradFill rotWithShape="1">
-          <a:gsLst>
-            <a:gs pos="0">
-              <a:schemeClr val="phClr">
-                <a:tint val="100000"/>
-                <a:shade val="100000"/>
-                <a:satMod val="130000"/>
-              </a:schemeClr>
-            </a:gs>
-            <a:gs pos="100000">
-              <a:schemeClr val="phClr">
-                <a:tint val="50000"/>
-                <a:shade val="100000"/>
-                <a:satMod val="350000"/>
-              </a:schemeClr>
-            </a:gs>
-          </a:gsLst>
-          <a:lin ang="16200000" scaled="0"/>
-        </a:gradFill>
-      </a:fillStyleLst>
-      <a:lnStyleLst>
-        <a:ln w="9525" cap="flat" cmpd="sng" algn="ctr">
-          <a:solidFill>
-            <a:schemeClr val="phClr">
-              <a:shade val="95000"/>
-              <a:satMod val="105000"/>
-            </a:schemeClr>
-          </a:solidFill>
-          <a:prstDash val="solid"/>
-        </a:ln>
-        <a:ln w="25400" cap="flat" cmpd="sng" algn="ctr">
-          <a:solidFill>
-            <a:schemeClr val="phClr"/>
-          </a:solidFill>
-          <a:prstDash val="solid"/>
-        </a:ln>
-        <a:ln w="38100" cap="flat" cmpd="sng" algn="ctr">
-          <a:solidFill>
-            <a:schemeClr val="phClr"/>
-          </a:solidFill>
-          <a:prstDash val="solid"/>
-        </a:ln>
-      </a:lnStyleLst>
-      <a:effectStyleLst>
-        <a:effectStyle>
-          <a:effectLst>
-            <a:outerShdw blurRad="40000" dist="20000" dir="5400000" rotWithShape="0">
-              <a:srgbClr val="000000">
-                <a:alpha val="38000"/>
-              </a:srgbClr>
-            </a:outerShdw>
-          </a:effectLst>
-        </a:effectStyle>
-        <a:effectStyle>
-          <a:effectLst>
-            <a:outerShdw blurRad="40000" dist="23000" dir="5400000" rotWithShape="0">
-              <a:srgbClr val="000000">
-                <a:alpha val="35000"/>
-              </a:srgbClr>
-            </a:outerShdw>
-          </a:effectLst>
-        </a:effectStyle>
-        <a:effectStyle>
-          <a:effectLst>
-            <a:outerShdw blurRad="40000" dist="23000" dir="5400000" rotWithShape="0">
-              <a:srgbClr val="000000">
-                <a:alpha val="35000"/>
-              </a:srgbClr>
-            </a:outerShdw>
-          </a:effectLst>
-          <a:scene3d>
-            <a:camera prst="orthographicFront">
-              <a:rot lat="0" lon="0" rev="0"/>
-            </a:camera>
-            <a:lightRig rig="threePt" dir="t">
-              <a:rot lat="0" lon="0" rev="1200000"/>
-            </a:lightRig>
-          </a:scene3d>
-          <a:sp3d>
-            <a:bevelT w="63500" h="25400"/>
-          </a:sp3d>
-        </a:effectStyle>
-      </a:effectStyleLst>
-      <a:bgFillStyleLst>
-        <a:solidFill>
-          <a:schemeClr val="phClr"/>
-        </a:solidFill>
-        <a:gradFill rotWithShape="1">
-          <a:gsLst>
-            <a:gs pos="0">
-              <a:schemeClr val="phClr">
-                <a:tint val="40000"/>
-                <a:satMod val="350000"/>
-              </a:schemeClr>
-            </a:gs>
-            <a:gs pos="40000">
-              <a:schemeClr val="phClr">
-                <a:tint val="45000"/>
-                <a:shade val="99000"/>
-                <a:satMod val="350000"/>
-              </a:schemeClr>
-            </a:gs>
-            <a:gs pos="100000">
-              <a:schemeClr val="phClr">
-                <a:shade val="20000"/>
-                <a:satMod val="255000"/>
-              </a:schemeClr>
-            </a:gs>
-          </a:gsLst>
-          <a:path path="circle">
-            <a:fillToRect l="50000" t="-80000" r="50000" b="180000"/>
-          </a:path>
-        </a:gradFill>
-        <a:gradFill rotWithShape="1">
-          <a:gsLst>
-            <a:gs pos="0">
-              <a:schemeClr val="phClr">
-                <a:tint val="80000"/>
-                <a:satMod val="300000"/>
-              </a:schemeClr>
-            </a:gs>
-            <a:gs pos="100000">
-              <a:schemeClr val="phClr">
-                <a:shade val="30000"/>
-                <a:satMod val="200000"/>
-              </a:schemeClr>
-            </a:gs>
-          </a:gsLst>
-          <a:path path="circle">
-            <a:fillToRect l="50000" t="50000" r="50000" b="50000"/>
-          </a:path>
-        </a:gradFill>
-      </a:bgFillStyleLst>
-    </a:fmtScheme>
-  </a:themeElements>
-</a:theme>
 </file>